--- a/Pyhton/ECDSA-Overview_versandt.pptx
+++ b/Pyhton/ECDSA-Overview_versandt.pptx
@@ -317,7 +317,7 @@
           <a:p>
             <a:fld id="{B3507356-B5D4-4790-B6FC-F7C8B1F7E1E3}" type="datetimeFigureOut">
               <a:rPr lang="en-GB" smtClean="0"/>
-              <a:t>25/03/2021</a:t>
+              <a:t>17/10/2022</a:t>
             </a:fld>
             <a:endParaRPr lang="en-GB"/>
           </a:p>
@@ -503,7 +503,7 @@
             <a:fld id="{750888D7-EA26-413C-8F78-8BFC343EAE4A}" type="datetimeFigureOut">
               <a:rPr lang="de-DE" smtClean="0"/>
               <a:pPr/>
-              <a:t>25.03.2021</a:t>
+              <a:t>17.10.2022</a:t>
             </a:fld>
             <a:endParaRPr lang="de-DE"/>
           </a:p>
@@ -997,7 +997,7 @@
                 <a14:useLocalDpi xmlns:a14="http://schemas.microsoft.com/office/drawing/2010/main" val="0"/>
               </a:ext>
               <a:ext uri="{96DAC541-7B7A-43D3-8B79-37D633B846F1}">
-                <asvg:svgBlip xmlns:asvg="http://schemas.microsoft.com/office/drawing/2016/SVG/main" xmlns:p14="http://schemas.microsoft.com/office/powerpoint/2010/main" xmlns:a14="http://schemas.microsoft.com/office/drawing/2010/main" xmlns:a16="http://schemas.microsoft.com/office/drawing/2014/main" xmlns="" r:embed="rId5"/>
+                <asvg:svgBlip xmlns:asvg="http://schemas.microsoft.com/office/drawing/2016/SVG/main" r:embed="rId5"/>
               </a:ext>
             </a:extLst>
           </a:blip>
@@ -1076,10 +1076,9 @@
           </a:lstStyle>
           <a:p>
             <a:r>
-              <a:rPr lang="de-DE" smtClean="0"/>
+              <a:rPr lang="de-DE"/>
               <a:t>Titelmasterformat durch Klicken bearbeiten</a:t>
             </a:r>
-            <a:endParaRPr lang="de-DE"/>
           </a:p>
         </p:txBody>
       </p:sp>
@@ -1110,7 +1109,7 @@
           <a:lstStyle/>
           <a:p>
             <a:r>
-              <a:rPr lang="de-DE" smtClean="0"/>
+              <a:rPr lang="de-DE"/>
               <a:t>Bild durch Klicken auf Symbol hinzufügen</a:t>
             </a:r>
             <a:endParaRPr lang="de-DE" dirty="0"/>
@@ -1234,10 +1233,9 @@
           <a:lstStyle/>
           <a:p>
             <a:r>
-              <a:rPr lang="de-DE" smtClean="0"/>
+              <a:rPr lang="de-DE"/>
               <a:t>Bild durch Klicken auf Symbol hinzufügen</a:t>
             </a:r>
-            <a:endParaRPr lang="de-DE"/>
           </a:p>
         </p:txBody>
       </p:sp>
@@ -1273,10 +1271,9 @@
           <a:lstStyle/>
           <a:p>
             <a:r>
-              <a:rPr lang="de-DE" smtClean="0"/>
+              <a:rPr lang="de-DE"/>
               <a:t>Bild durch Klicken auf Symbol hinzufügen</a:t>
             </a:r>
-            <a:endParaRPr lang="de-DE"/>
           </a:p>
         </p:txBody>
       </p:sp>
@@ -1314,7 +1311,7 @@
           </a:lstStyle>
           <a:p>
             <a:r>
-              <a:rPr lang="de-DE" smtClean="0"/>
+              <a:rPr lang="de-DE"/>
               <a:t>Titelmasterformat durch Klicken bearbeiten</a:t>
             </a:r>
             <a:endParaRPr lang="de-DE" dirty="0"/>
@@ -1354,7 +1351,7 @@
           <a:p>
             <a:pPr lvl="0"/>
             <a:r>
-              <a:rPr lang="de-DE" smtClean="0"/>
+              <a:rPr lang="de-DE"/>
               <a:t>Formatvorlagen des Textmasters bearbeiten</a:t>
             </a:r>
           </a:p>
@@ -1433,10 +1430,9 @@
           <a:lstStyle/>
           <a:p>
             <a:r>
-              <a:rPr lang="de-DE" smtClean="0"/>
+              <a:rPr lang="de-DE"/>
               <a:t>Bild durch Klicken auf Symbol hinzufügen</a:t>
             </a:r>
-            <a:endParaRPr lang="de-DE"/>
           </a:p>
         </p:txBody>
       </p:sp>
@@ -1497,10 +1493,9 @@
           <a:lstStyle/>
           <a:p>
             <a:r>
-              <a:rPr lang="de-DE" smtClean="0"/>
+              <a:rPr lang="de-DE"/>
               <a:t>Bild durch Klicken auf Symbol hinzufügen</a:t>
             </a:r>
-            <a:endParaRPr lang="de-DE"/>
           </a:p>
         </p:txBody>
       </p:sp>
@@ -1556,10 +1551,9 @@
           <a:lstStyle/>
           <a:p>
             <a:r>
-              <a:rPr lang="de-DE" smtClean="0"/>
+              <a:rPr lang="de-DE"/>
               <a:t>Titelmasterformat durch Klicken bearbeiten</a:t>
             </a:r>
-            <a:endParaRPr lang="de-DE"/>
           </a:p>
         </p:txBody>
       </p:sp>
@@ -1590,10 +1584,9 @@
           <a:lstStyle/>
           <a:p>
             <a:r>
-              <a:rPr lang="de-DE" smtClean="0"/>
+              <a:rPr lang="de-DE"/>
               <a:t>Bild durch Klicken auf Symbol hinzufügen</a:t>
             </a:r>
-            <a:endParaRPr lang="de-DE"/>
           </a:p>
         </p:txBody>
       </p:sp>
@@ -1624,7 +1617,7 @@
           <a:lstStyle/>
           <a:p>
             <a:r>
-              <a:rPr lang="de-DE" smtClean="0"/>
+              <a:rPr lang="de-DE"/>
               <a:t>Bild durch Klicken auf Symbol hinzufügen</a:t>
             </a:r>
             <a:endParaRPr lang="de-DE" dirty="0"/>
@@ -1658,10 +1651,9 @@
           <a:lstStyle/>
           <a:p>
             <a:r>
-              <a:rPr lang="de-DE" smtClean="0"/>
+              <a:rPr lang="de-DE"/>
               <a:t>Bild durch Klicken auf Symbol hinzufügen</a:t>
             </a:r>
-            <a:endParaRPr lang="de-DE"/>
           </a:p>
         </p:txBody>
       </p:sp>
@@ -1733,7 +1725,7 @@
           <a:lstStyle/>
           <a:p>
             <a:r>
-              <a:rPr lang="de-DE" smtClean="0"/>
+              <a:rPr lang="de-DE"/>
               <a:t>Titelmasterformat durch Klicken bearbeiten</a:t>
             </a:r>
             <a:endParaRPr lang="de-DE" dirty="0"/>
@@ -1768,38 +1760,37 @@
           <a:p>
             <a:pPr lvl="0"/>
             <a:r>
-              <a:rPr lang="de-DE" smtClean="0"/>
+              <a:rPr lang="de-DE"/>
               <a:t>Formatvorlagen des Textmasters bearbeiten</a:t>
             </a:r>
           </a:p>
           <a:p>
             <a:pPr lvl="1"/>
             <a:r>
-              <a:rPr lang="de-DE" smtClean="0"/>
+              <a:rPr lang="de-DE"/>
               <a:t>Zweite Ebene</a:t>
             </a:r>
           </a:p>
           <a:p>
             <a:pPr lvl="2"/>
             <a:r>
-              <a:rPr lang="de-DE" smtClean="0"/>
+              <a:rPr lang="de-DE"/>
               <a:t>Dritte Ebene</a:t>
             </a:r>
           </a:p>
           <a:p>
             <a:pPr lvl="3"/>
             <a:r>
-              <a:rPr lang="de-DE" smtClean="0"/>
+              <a:rPr lang="de-DE"/>
               <a:t>Vierte Ebene</a:t>
             </a:r>
           </a:p>
           <a:p>
             <a:pPr lvl="4"/>
             <a:r>
-              <a:rPr lang="de-DE" smtClean="0"/>
+              <a:rPr lang="de-DE"/>
               <a:t>Fünfte Ebene</a:t>
             </a:r>
-            <a:endParaRPr lang="de-DE"/>
           </a:p>
         </p:txBody>
       </p:sp>
@@ -1830,10 +1821,9 @@
           <a:lstStyle/>
           <a:p>
             <a:r>
-              <a:rPr lang="de-DE" smtClean="0"/>
+              <a:rPr lang="de-DE"/>
               <a:t>Bild durch Klicken auf Symbol hinzufügen</a:t>
             </a:r>
-            <a:endParaRPr lang="de-DE"/>
           </a:p>
         </p:txBody>
       </p:sp>
@@ -1963,7 +1953,7 @@
           <a:lstStyle/>
           <a:p>
             <a:r>
-              <a:rPr lang="de-DE" smtClean="0"/>
+              <a:rPr lang="de-DE"/>
               <a:t>Titelmasterformat durch Klicken bearbeiten</a:t>
             </a:r>
             <a:endParaRPr lang="de-DE" dirty="0"/>
@@ -1998,35 +1988,35 @@
           <a:p>
             <a:pPr lvl="0"/>
             <a:r>
-              <a:rPr lang="de-DE" smtClean="0"/>
+              <a:rPr lang="de-DE"/>
               <a:t>Formatvorlagen des Textmasters bearbeiten</a:t>
             </a:r>
           </a:p>
           <a:p>
             <a:pPr lvl="1"/>
             <a:r>
-              <a:rPr lang="de-DE" smtClean="0"/>
+              <a:rPr lang="de-DE"/>
               <a:t>Zweite Ebene</a:t>
             </a:r>
           </a:p>
           <a:p>
             <a:pPr lvl="2"/>
             <a:r>
-              <a:rPr lang="de-DE" smtClean="0"/>
+              <a:rPr lang="de-DE"/>
               <a:t>Dritte Ebene</a:t>
             </a:r>
           </a:p>
           <a:p>
             <a:pPr lvl="3"/>
             <a:r>
-              <a:rPr lang="de-DE" smtClean="0"/>
+              <a:rPr lang="de-DE"/>
               <a:t>Vierte Ebene</a:t>
             </a:r>
           </a:p>
           <a:p>
             <a:pPr lvl="4"/>
             <a:r>
-              <a:rPr lang="de-DE" smtClean="0"/>
+              <a:rPr lang="de-DE"/>
               <a:t>Fünfte Ebene</a:t>
             </a:r>
             <a:endParaRPr lang="de-DE" dirty="0"/>
@@ -2060,7 +2050,7 @@
           <a:lstStyle/>
           <a:p>
             <a:r>
-              <a:rPr lang="de-DE" smtClean="0"/>
+              <a:rPr lang="de-DE"/>
               <a:t>Bild durch Klicken auf Symbol hinzufügen</a:t>
             </a:r>
             <a:endParaRPr lang="de-DE" dirty="0"/>
@@ -2193,7 +2183,7 @@
           <a:lstStyle/>
           <a:p>
             <a:r>
-              <a:rPr lang="de-DE" smtClean="0"/>
+              <a:rPr lang="de-DE"/>
               <a:t>Titelmasterformat durch Klicken bearbeiten</a:t>
             </a:r>
             <a:endParaRPr lang="de-DE" dirty="0"/>
@@ -2228,35 +2218,35 @@
           <a:p>
             <a:pPr lvl="0"/>
             <a:r>
-              <a:rPr lang="de-DE" smtClean="0"/>
+              <a:rPr lang="de-DE"/>
               <a:t>Formatvorlagen des Textmasters bearbeiten</a:t>
             </a:r>
           </a:p>
           <a:p>
             <a:pPr lvl="1"/>
             <a:r>
-              <a:rPr lang="de-DE" smtClean="0"/>
+              <a:rPr lang="de-DE"/>
               <a:t>Zweite Ebene</a:t>
             </a:r>
           </a:p>
           <a:p>
             <a:pPr lvl="2"/>
             <a:r>
-              <a:rPr lang="de-DE" smtClean="0"/>
+              <a:rPr lang="de-DE"/>
               <a:t>Dritte Ebene</a:t>
             </a:r>
           </a:p>
           <a:p>
             <a:pPr lvl="3"/>
             <a:r>
-              <a:rPr lang="de-DE" smtClean="0"/>
+              <a:rPr lang="de-DE"/>
               <a:t>Vierte Ebene</a:t>
             </a:r>
           </a:p>
           <a:p>
             <a:pPr lvl="4"/>
             <a:r>
-              <a:rPr lang="de-DE" smtClean="0"/>
+              <a:rPr lang="de-DE"/>
               <a:t>Fünfte Ebene</a:t>
             </a:r>
             <a:endParaRPr lang="de-DE" dirty="0"/>
@@ -2290,7 +2280,7 @@
           <a:lstStyle/>
           <a:p>
             <a:r>
-              <a:rPr lang="de-DE" smtClean="0"/>
+              <a:rPr lang="de-DE"/>
               <a:t>Bild durch Klicken auf Symbol hinzufügen</a:t>
             </a:r>
             <a:endParaRPr lang="de-DE" dirty="0"/>
@@ -2423,7 +2413,7 @@
           <a:lstStyle/>
           <a:p>
             <a:r>
-              <a:rPr lang="de-DE" smtClean="0"/>
+              <a:rPr lang="de-DE"/>
               <a:t>Titelmasterformat durch Klicken bearbeiten</a:t>
             </a:r>
             <a:endParaRPr lang="de-DE" dirty="0"/>
@@ -2457,7 +2447,7 @@
           <a:lstStyle/>
           <a:p>
             <a:r>
-              <a:rPr lang="de-DE" smtClean="0"/>
+              <a:rPr lang="de-DE"/>
               <a:t>Bild durch Klicken auf Symbol hinzufügen</a:t>
             </a:r>
             <a:endParaRPr lang="de-DE" dirty="0"/>
@@ -2492,35 +2482,35 @@
           <a:p>
             <a:pPr lvl="0"/>
             <a:r>
-              <a:rPr lang="de-DE" smtClean="0"/>
+              <a:rPr lang="de-DE"/>
               <a:t>Formatvorlagen des Textmasters bearbeiten</a:t>
             </a:r>
           </a:p>
           <a:p>
             <a:pPr lvl="1"/>
             <a:r>
-              <a:rPr lang="de-DE" smtClean="0"/>
+              <a:rPr lang="de-DE"/>
               <a:t>Zweite Ebene</a:t>
             </a:r>
           </a:p>
           <a:p>
             <a:pPr lvl="2"/>
             <a:r>
-              <a:rPr lang="de-DE" smtClean="0"/>
+              <a:rPr lang="de-DE"/>
               <a:t>Dritte Ebene</a:t>
             </a:r>
           </a:p>
           <a:p>
             <a:pPr lvl="3"/>
             <a:r>
-              <a:rPr lang="de-DE" smtClean="0"/>
+              <a:rPr lang="de-DE"/>
               <a:t>Vierte Ebene</a:t>
             </a:r>
           </a:p>
           <a:p>
             <a:pPr lvl="4"/>
             <a:r>
-              <a:rPr lang="de-DE" smtClean="0"/>
+              <a:rPr lang="de-DE"/>
               <a:t>Fünfte Ebene</a:t>
             </a:r>
             <a:endParaRPr lang="de-DE" dirty="0"/>
@@ -2648,7 +2638,7 @@
           <a:lstStyle/>
           <a:p>
             <a:r>
-              <a:rPr lang="de-DE" smtClean="0"/>
+              <a:rPr lang="de-DE"/>
               <a:t>Titelmasterformat durch Klicken bearbeiten</a:t>
             </a:r>
             <a:endParaRPr lang="de-DE" dirty="0"/>
@@ -2682,10 +2672,9 @@
           <a:lstStyle/>
           <a:p>
             <a:r>
-              <a:rPr lang="de-DE" smtClean="0"/>
+              <a:rPr lang="de-DE"/>
               <a:t>Bild durch Klicken auf Symbol hinzufügen</a:t>
             </a:r>
-            <a:endParaRPr lang="de-DE"/>
           </a:p>
         </p:txBody>
       </p:sp>
@@ -2716,7 +2705,7 @@
           <a:lstStyle/>
           <a:p>
             <a:r>
-              <a:rPr lang="de-DE" smtClean="0"/>
+              <a:rPr lang="de-DE"/>
               <a:t>Bild durch Klicken auf Symbol hinzufügen</a:t>
             </a:r>
             <a:endParaRPr lang="de-DE" dirty="0"/>
@@ -2754,35 +2743,35 @@
           <a:p>
             <a:pPr lvl="0"/>
             <a:r>
-              <a:rPr lang="de-DE" smtClean="0"/>
+              <a:rPr lang="de-DE"/>
               <a:t>Formatvorlagen des Textmasters bearbeiten</a:t>
             </a:r>
           </a:p>
           <a:p>
             <a:pPr lvl="1"/>
             <a:r>
-              <a:rPr lang="de-DE" smtClean="0"/>
+              <a:rPr lang="de-DE"/>
               <a:t>Zweite Ebene</a:t>
             </a:r>
           </a:p>
           <a:p>
             <a:pPr lvl="2"/>
             <a:r>
-              <a:rPr lang="de-DE" smtClean="0"/>
+              <a:rPr lang="de-DE"/>
               <a:t>Dritte Ebene</a:t>
             </a:r>
           </a:p>
           <a:p>
             <a:pPr lvl="3"/>
             <a:r>
-              <a:rPr lang="de-DE" smtClean="0"/>
+              <a:rPr lang="de-DE"/>
               <a:t>Vierte Ebene</a:t>
             </a:r>
           </a:p>
           <a:p>
             <a:pPr lvl="4"/>
             <a:r>
-              <a:rPr lang="de-DE" smtClean="0"/>
+              <a:rPr lang="de-DE"/>
               <a:t>Fünfte Ebene</a:t>
             </a:r>
             <a:endParaRPr lang="de-DE" dirty="0"/>
@@ -2820,38 +2809,37 @@
           <a:p>
             <a:pPr lvl="0"/>
             <a:r>
-              <a:rPr lang="de-DE" smtClean="0"/>
+              <a:rPr lang="de-DE"/>
               <a:t>Formatvorlagen des Textmasters bearbeiten</a:t>
             </a:r>
           </a:p>
           <a:p>
             <a:pPr lvl="1"/>
             <a:r>
-              <a:rPr lang="de-DE" smtClean="0"/>
+              <a:rPr lang="de-DE"/>
               <a:t>Zweite Ebene</a:t>
             </a:r>
           </a:p>
           <a:p>
             <a:pPr lvl="2"/>
             <a:r>
-              <a:rPr lang="de-DE" smtClean="0"/>
+              <a:rPr lang="de-DE"/>
               <a:t>Dritte Ebene</a:t>
             </a:r>
           </a:p>
           <a:p>
             <a:pPr lvl="3"/>
             <a:r>
-              <a:rPr lang="de-DE" smtClean="0"/>
+              <a:rPr lang="de-DE"/>
               <a:t>Vierte Ebene</a:t>
             </a:r>
           </a:p>
           <a:p>
             <a:pPr lvl="4"/>
             <a:r>
-              <a:rPr lang="de-DE" smtClean="0"/>
+              <a:rPr lang="de-DE"/>
               <a:t>Fünfte Ebene</a:t>
             </a:r>
-            <a:endParaRPr lang="de-DE"/>
           </a:p>
         </p:txBody>
       </p:sp>
@@ -2981,10 +2969,9 @@
           <a:lstStyle/>
           <a:p>
             <a:r>
-              <a:rPr lang="de-DE" smtClean="0"/>
+              <a:rPr lang="de-DE"/>
               <a:t>Bild durch Klicken auf Symbol hinzufügen</a:t>
             </a:r>
-            <a:endParaRPr lang="de-DE"/>
           </a:p>
         </p:txBody>
       </p:sp>
@@ -3022,10 +3009,9 @@
           </a:lstStyle>
           <a:p>
             <a:r>
-              <a:rPr lang="de-DE" smtClean="0"/>
+              <a:rPr lang="de-DE"/>
               <a:t>Titelmasterformat durch Klicken bearbeiten</a:t>
             </a:r>
-            <a:endParaRPr lang="de-DE"/>
           </a:p>
         </p:txBody>
       </p:sp>
@@ -3093,7 +3079,7 @@
           </a:lstStyle>
           <a:p>
             <a:r>
-              <a:rPr lang="de-DE" smtClean="0"/>
+              <a:rPr lang="de-DE"/>
               <a:t>Formatvorlage des Untertitelmasters durch Klicken bearbeiten</a:t>
             </a:r>
             <a:endParaRPr lang="de-DE" dirty="0"/>
@@ -3194,10 +3180,9 @@
           </a:lstStyle>
           <a:p>
             <a:r>
-              <a:rPr lang="de-DE" smtClean="0"/>
+              <a:rPr lang="de-DE"/>
               <a:t>Titelmasterformat durch Klicken bearbeiten</a:t>
             </a:r>
-            <a:endParaRPr lang="de-DE"/>
           </a:p>
         </p:txBody>
       </p:sp>
@@ -3265,7 +3250,7 @@
           </a:lstStyle>
           <a:p>
             <a:r>
-              <a:rPr lang="de-DE" smtClean="0"/>
+              <a:rPr lang="de-DE"/>
               <a:t>Formatvorlage des Untertitelmasters durch Klicken bearbeiten</a:t>
             </a:r>
             <a:endParaRPr lang="de-DE" dirty="0"/>
@@ -3324,7 +3309,7 @@
           <a:lstStyle/>
           <a:p>
             <a:r>
-              <a:rPr lang="de-DE" smtClean="0"/>
+              <a:rPr lang="de-DE"/>
               <a:t>Titelmasterformat durch Klicken bearbeiten</a:t>
             </a:r>
             <a:endParaRPr lang="de-DE" dirty="0"/>
@@ -3436,10 +3421,9 @@
           <a:lstStyle/>
           <a:p>
             <a:r>
-              <a:rPr lang="de-DE" smtClean="0"/>
+              <a:rPr lang="de-DE"/>
               <a:t>Titelmasterformat durch Klicken bearbeiten</a:t>
             </a:r>
-            <a:endParaRPr lang="de-DE"/>
           </a:p>
         </p:txBody>
       </p:sp>
@@ -3466,35 +3450,35 @@
           <a:p>
             <a:pPr lvl="0"/>
             <a:r>
-              <a:rPr lang="de-DE" smtClean="0"/>
+              <a:rPr lang="de-DE"/>
               <a:t>Formatvorlagen des Textmasters bearbeiten</a:t>
             </a:r>
           </a:p>
           <a:p>
             <a:pPr lvl="1"/>
             <a:r>
-              <a:rPr lang="de-DE" smtClean="0"/>
+              <a:rPr lang="de-DE"/>
               <a:t>Zweite Ebene</a:t>
             </a:r>
           </a:p>
           <a:p>
             <a:pPr lvl="2"/>
             <a:r>
-              <a:rPr lang="de-DE" smtClean="0"/>
+              <a:rPr lang="de-DE"/>
               <a:t>Dritte Ebene</a:t>
             </a:r>
           </a:p>
           <a:p>
             <a:pPr lvl="3"/>
             <a:r>
-              <a:rPr lang="de-DE" smtClean="0"/>
+              <a:rPr lang="de-DE"/>
               <a:t>Vierte Ebene</a:t>
             </a:r>
           </a:p>
           <a:p>
             <a:pPr lvl="4"/>
             <a:r>
-              <a:rPr lang="de-DE" smtClean="0"/>
+              <a:rPr lang="de-DE"/>
               <a:t>Fünfte Ebene</a:t>
             </a:r>
             <a:endParaRPr lang="de-DE" dirty="0"/>
@@ -3606,10 +3590,9 @@
           <a:lstStyle/>
           <a:p>
             <a:r>
-              <a:rPr lang="de-DE" smtClean="0"/>
+              <a:rPr lang="de-DE"/>
               <a:t>Titelmasterformat durch Klicken bearbeiten</a:t>
             </a:r>
-            <a:endParaRPr lang="de-DE"/>
           </a:p>
         </p:txBody>
       </p:sp>
@@ -3641,35 +3624,35 @@
           <a:p>
             <a:pPr lvl="0"/>
             <a:r>
-              <a:rPr lang="de-DE" smtClean="0"/>
+              <a:rPr lang="de-DE"/>
               <a:t>Formatvorlagen des Textmasters bearbeiten</a:t>
             </a:r>
           </a:p>
           <a:p>
             <a:pPr lvl="1"/>
             <a:r>
-              <a:rPr lang="de-DE" smtClean="0"/>
+              <a:rPr lang="de-DE"/>
               <a:t>Zweite Ebene</a:t>
             </a:r>
           </a:p>
           <a:p>
             <a:pPr lvl="2"/>
             <a:r>
-              <a:rPr lang="de-DE" smtClean="0"/>
+              <a:rPr lang="de-DE"/>
               <a:t>Dritte Ebene</a:t>
             </a:r>
           </a:p>
           <a:p>
             <a:pPr lvl="3"/>
             <a:r>
-              <a:rPr lang="de-DE" smtClean="0"/>
+              <a:rPr lang="de-DE"/>
               <a:t>Vierte Ebene</a:t>
             </a:r>
           </a:p>
           <a:p>
             <a:pPr lvl="4"/>
             <a:r>
-              <a:rPr lang="de-DE" smtClean="0"/>
+              <a:rPr lang="de-DE"/>
               <a:t>Fünfte Ebene</a:t>
             </a:r>
             <a:endParaRPr lang="de-DE" dirty="0"/>
@@ -3704,35 +3687,35 @@
           <a:p>
             <a:pPr lvl="0"/>
             <a:r>
-              <a:rPr lang="de-DE" smtClean="0"/>
+              <a:rPr lang="de-DE"/>
               <a:t>Formatvorlagen des Textmasters bearbeiten</a:t>
             </a:r>
           </a:p>
           <a:p>
             <a:pPr lvl="1"/>
             <a:r>
-              <a:rPr lang="de-DE" smtClean="0"/>
+              <a:rPr lang="de-DE"/>
               <a:t>Zweite Ebene</a:t>
             </a:r>
           </a:p>
           <a:p>
             <a:pPr lvl="2"/>
             <a:r>
-              <a:rPr lang="de-DE" smtClean="0"/>
+              <a:rPr lang="de-DE"/>
               <a:t>Dritte Ebene</a:t>
             </a:r>
           </a:p>
           <a:p>
             <a:pPr lvl="3"/>
             <a:r>
-              <a:rPr lang="de-DE" smtClean="0"/>
+              <a:rPr lang="de-DE"/>
               <a:t>Vierte Ebene</a:t>
             </a:r>
           </a:p>
           <a:p>
             <a:pPr lvl="4"/>
             <a:r>
-              <a:rPr lang="de-DE" smtClean="0"/>
+              <a:rPr lang="de-DE"/>
               <a:t>Fünfte Ebene</a:t>
             </a:r>
             <a:endParaRPr lang="de-DE" dirty="0"/>
@@ -3865,7 +3848,7 @@
           <a:lstStyle/>
           <a:p>
             <a:r>
-              <a:rPr lang="de-DE" smtClean="0"/>
+              <a:rPr lang="de-DE"/>
               <a:t>Bild durch Klicken auf Symbol hinzufügen</a:t>
             </a:r>
             <a:endParaRPr lang="de-DE" dirty="0"/>
@@ -3912,7 +3895,7 @@
           </a:lstStyle>
           <a:p>
             <a:r>
-              <a:rPr lang="de-DE" smtClean="0"/>
+              <a:rPr lang="de-DE"/>
               <a:t>Titelmasterformat durch Klicken bearbeiten</a:t>
             </a:r>
             <a:endParaRPr lang="de-DE" dirty="0"/>
@@ -4036,7 +4019,7 @@
           <a:p>
             <a:pPr lvl="0"/>
             <a:r>
-              <a:rPr lang="de-DE" smtClean="0"/>
+              <a:rPr lang="de-DE"/>
               <a:t>Formatvorlagen des Textmasters bearbeiten</a:t>
             </a:r>
           </a:p>
@@ -4173,7 +4156,7 @@
           <a:lstStyle/>
           <a:p>
             <a:r>
-              <a:rPr lang="de-DE" smtClean="0"/>
+              <a:rPr lang="de-DE"/>
               <a:t>Bild durch Klicken auf Symbol hinzufügen</a:t>
             </a:r>
             <a:endParaRPr lang="de-DE" dirty="0"/>
@@ -4220,7 +4203,7 @@
           </a:lstStyle>
           <a:p>
             <a:r>
-              <a:rPr lang="de-DE" smtClean="0"/>
+              <a:rPr lang="de-DE"/>
               <a:t>Titelmasterformat durch Klicken bearbeiten</a:t>
             </a:r>
             <a:endParaRPr lang="de-DE" dirty="0"/>
@@ -4344,7 +4327,7 @@
           <a:p>
             <a:pPr lvl="0"/>
             <a:r>
-              <a:rPr lang="de-DE" smtClean="0"/>
+              <a:rPr lang="de-DE"/>
               <a:t>Formatvorlagen des Textmasters bearbeiten</a:t>
             </a:r>
           </a:p>
@@ -4481,7 +4464,7 @@
           <a:lstStyle/>
           <a:p>
             <a:r>
-              <a:rPr lang="de-DE" smtClean="0"/>
+              <a:rPr lang="de-DE"/>
               <a:t>Bild durch Klicken auf Symbol hinzufügen</a:t>
             </a:r>
             <a:endParaRPr lang="de-DE" dirty="0"/>
@@ -4522,7 +4505,7 @@
           </a:lstStyle>
           <a:p>
             <a:r>
-              <a:rPr lang="de-DE" smtClean="0"/>
+              <a:rPr lang="de-DE"/>
               <a:t>Titelmasterformat durch Klicken bearbeiten</a:t>
             </a:r>
             <a:endParaRPr lang="de-DE" dirty="0"/>
@@ -4617,7 +4600,7 @@
           </p:cNvGraphicFramePr>
           <p:nvPr>
             <p:custDataLst>
-              <p:tags r:id="rId23"/>
+              <p:tags r:id="rId22"/>
             </p:custDataLst>
             <p:extLst>
               <p:ext uri="{D42A27DB-BD31-4B8C-83A1-F6EECF244321}">
@@ -4634,12 +4617,12 @@
           <a:graphicData uri="http://schemas.openxmlformats.org/presentationml/2006/ole">
             <mc:AlternateContent xmlns:mc="http://schemas.openxmlformats.org/markup-compatibility/2006">
               <mc:Choice xmlns:v="urn:schemas-microsoft-com:vml" Requires="v">
-                <p:oleObj spid="_x0000_s1043" name="think-cell Folie" r:id="rId25" imgW="288" imgH="288" progId="TCLayout.ActiveDocument.1">
+                <p:oleObj name="think-cell Folie" r:id="rId24" imgW="288" imgH="288" progId="TCLayout.ActiveDocument.1">
                   <p:embed/>
                 </p:oleObj>
               </mc:Choice>
               <mc:Fallback>
-                <p:oleObj name="think-cell Folie" r:id="rId25" imgW="288" imgH="288" progId="TCLayout.ActiveDocument.1">
+                <p:oleObj name="think-cell Folie" r:id="rId24" imgW="288" imgH="288" progId="TCLayout.ActiveDocument.1">
                   <p:embed/>
                   <p:pic>
                     <p:nvPicPr>
@@ -4648,7 +4631,7 @@
                       <p:nvPr/>
                     </p:nvPicPr>
                     <p:blipFill>
-                      <a:blip r:embed="rId26"/>
+                      <a:blip r:embed="rId25"/>
                       <a:stretch>
                         <a:fillRect/>
                       </a:stretch>
@@ -4681,7 +4664,7 @@
           <p:cNvSpPr/>
           <p:nvPr>
             <p:custDataLst>
-              <p:tags r:id="rId24"/>
+              <p:tags r:id="rId23"/>
             </p:custDataLst>
           </p:nvPr>
         </p:nvSpPr>
@@ -4934,7 +4917,7 @@
               <a:defRPr/>
             </a:pPr>
             <a:r>
-              <a:rPr lang="de-DE" sz="700" smtClean="0"/>
+              <a:rPr lang="de-DE" sz="700"/>
               <a:t>Erstellungsdatum: 22.03.2021</a:t>
             </a:r>
             <a:endParaRPr lang="de-DE" sz="700" dirty="0"/>
@@ -4987,7 +4970,7 @@
               <a:defRPr/>
             </a:pPr>
             <a:r>
-              <a:rPr lang="de-DE" sz="800" b="1" smtClean="0"/>
+              <a:rPr lang="de-DE" sz="800" b="1"/>
               <a:t>EEY5 | Dr. Henning Zörlein</a:t>
             </a:r>
             <a:endParaRPr lang="de-DE" sz="800" b="1" dirty="0"/>
@@ -5044,7 +5027,7 @@
               <a:t>‹Nr.›</a:t>
             </a:fld>
             <a:r>
-              <a:rPr lang="de-DE" sz="1000" b="1" smtClean="0"/>
+              <a:rPr lang="de-DE" sz="1000" b="1"/>
               <a:t>/9</a:t>
             </a:r>
             <a:endParaRPr lang="de-DE" sz="1000" b="1" dirty="0"/>
@@ -5088,7 +5071,7 @@
               </a:spcBef>
             </a:pPr>
             <a:r>
-              <a:rPr lang="de-DE" sz="1000" b="1" smtClean="0">
+              <a:rPr lang="de-DE" sz="1000" b="1">
                 <a:solidFill>
                   <a:srgbClr val="D88711"/>
                 </a:solidFill>
@@ -5118,13 +5101,13 @@
           <p:nvPr/>
         </p:nvPicPr>
         <p:blipFill>
-          <a:blip r:embed="rId27" cstate="hqprint">
+          <a:blip r:embed="rId26" cstate="hqprint">
             <a:extLst>
               <a:ext uri="{28A0092B-C50C-407E-A947-70E740481C1C}">
                 <a14:useLocalDpi xmlns:a14="http://schemas.microsoft.com/office/drawing/2010/main" val="0"/>
               </a:ext>
               <a:ext uri="{96DAC541-7B7A-43D3-8B79-37D633B846F1}">
-                <asvg:svgBlip xmlns:asvg="http://schemas.microsoft.com/office/drawing/2016/SVG/main" xmlns:p15="http://schemas.microsoft.com/office/powerpoint/2012/main" xmlns:a14="http://schemas.microsoft.com/office/drawing/2010/main" xmlns:v="urn:schemas-microsoft-com:vml" xmlns:mc="http://schemas.openxmlformats.org/markup-compatibility/2006" xmlns:p14="http://schemas.microsoft.com/office/powerpoint/2010/main" xmlns:a16="http://schemas.microsoft.com/office/drawing/2014/main" xmlns="" r:embed="rId28"/>
+                <asvg:svgBlip xmlns:asvg="http://schemas.microsoft.com/office/drawing/2016/SVG/main" r:embed="rId27"/>
               </a:ext>
             </a:extLst>
           </a:blip>
@@ -5525,7 +5508,7 @@
       </a:lvl9pPr>
     </p:otherStyle>
   </p:txStyles>
-  <p:extLst mod="1">
+  <p:extLst>
     <p:ext uri="{27BBF7A9-308A-43DC-89C8-2F10F3537804}">
       <p15:sldGuideLst xmlns:p15="http://schemas.microsoft.com/office/powerpoint/2012/main">
         <p15:guide id="1" orient="horz" pos="254" userDrawn="1">
@@ -5591,13 +5574,6 @@
   <p:clrMapOvr>
     <a:masterClrMapping/>
   </p:clrMapOvr>
-  <p:timing>
-    <p:tnLst>
-      <p:par>
-        <p:cTn id="1" dur="indefinite" restart="never" nodeType="tmRoot"/>
-      </p:par>
-    </p:tnLst>
-  </p:timing>
 </p:sld>
 </file>
 
@@ -5640,18 +5616,17 @@
           <a:lstStyle/>
           <a:p>
             <a:r>
-              <a:rPr lang="de-DE" dirty="0" smtClean="0"/>
+              <a:rPr lang="de-DE" dirty="0"/>
               <a:t>FDS </a:t>
             </a:r>
             <a:r>
-              <a:rPr lang="de-DE" dirty="0" err="1" smtClean="0"/>
+              <a:rPr lang="de-DE" dirty="0" err="1"/>
               <a:t>with</a:t>
             </a:r>
             <a:r>
-              <a:rPr lang="de-DE" dirty="0" smtClean="0"/>
+              <a:rPr lang="de-DE" dirty="0"/>
               <a:t> ECDSA</a:t>
             </a:r>
-            <a:endParaRPr lang="de-DE" dirty="0"/>
           </a:p>
         </p:txBody>
       </p:sp>
@@ -5677,14 +5652,13 @@
           <a:lstStyle/>
           <a:p>
             <a:r>
-              <a:rPr lang="de-DE" dirty="0" err="1" smtClean="0"/>
+              <a:rPr lang="de-DE" dirty="0" err="1"/>
               <a:t>Current</a:t>
             </a:r>
             <a:r>
-              <a:rPr lang="de-DE" dirty="0" smtClean="0"/>
+              <a:rPr lang="de-DE" dirty="0"/>
               <a:t> Implementation Status </a:t>
             </a:r>
-            <a:endParaRPr lang="de-DE" dirty="0"/>
           </a:p>
         </p:txBody>
       </p:sp>
@@ -5698,13 +5672,6 @@
   <p:clrMapOvr>
     <a:masterClrMapping/>
   </p:clrMapOvr>
-  <p:timing>
-    <p:tnLst>
-      <p:par>
-        <p:cTn id="1" dur="indefinite" restart="never" nodeType="tmRoot"/>
-      </p:par>
-    </p:tnLst>
-  </p:timing>
 </p:sld>
 </file>
 
@@ -5747,27 +5714,27 @@
           <a:lstStyle/>
           <a:p>
             <a:r>
-              <a:rPr lang="de-DE" dirty="0" smtClean="0"/>
+              <a:rPr lang="de-DE" dirty="0"/>
               <a:t>Common </a:t>
             </a:r>
             <a:r>
-              <a:rPr lang="de-DE" dirty="0" err="1" smtClean="0"/>
+              <a:rPr lang="de-DE" dirty="0" err="1"/>
               <a:t>data</a:t>
             </a:r>
             <a:r>
-              <a:rPr lang="de-DE" dirty="0" smtClean="0"/>
+              <a:rPr lang="de-DE" dirty="0"/>
               <a:t> </a:t>
             </a:r>
             <a:r>
-              <a:rPr lang="de-DE" dirty="0" err="1" smtClean="0"/>
+              <a:rPr lang="de-DE" dirty="0" err="1"/>
               <a:t>for</a:t>
             </a:r>
             <a:r>
-              <a:rPr lang="de-DE" dirty="0" smtClean="0"/>
+              <a:rPr lang="de-DE" dirty="0"/>
               <a:t> </a:t>
             </a:r>
             <a:r>
-              <a:rPr lang="de-DE" dirty="0" err="1" smtClean="0"/>
+              <a:rPr lang="de-DE" dirty="0" err="1"/>
               <a:t>examples</a:t>
             </a:r>
             <a:endParaRPr lang="de-DE" dirty="0"/>
@@ -5796,11 +5763,11 @@
           <a:lstStyle/>
           <a:p>
             <a:r>
-              <a:rPr lang="de-DE" sz="1400" dirty="0" err="1" smtClean="0"/>
+              <a:rPr lang="de-DE" sz="1400" dirty="0" err="1"/>
               <a:t>Demo.bin</a:t>
             </a:r>
             <a:r>
-              <a:rPr lang="de-DE" sz="1400" dirty="0" smtClean="0"/>
+              <a:rPr lang="de-DE" sz="1400" dirty="0"/>
               <a:t>: 	0x</a:t>
             </a:r>
             <a:r>
@@ -5815,21 +5782,13 @@
           <a:p>
             <a:r>
               <a:rPr lang="de-DE" sz="1400" dirty="0"/>
-              <a:t>	SHA256: </a:t>
-            </a:r>
-            <a:r>
-              <a:rPr lang="de-DE" sz="1400" dirty="0" smtClean="0"/>
-              <a:t>	181210f8f9c779c26da1d9b2075bde0127302ee0e3fca38c9a83f5b1dd8e5d3b</a:t>
+              <a:t>	SHA256: 	181210f8f9c779c26da1d9b2075bde0127302ee0e3fca38c9a83f5b1dd8e5d3b</a:t>
             </a:r>
           </a:p>
           <a:p>
             <a:r>
               <a:rPr lang="de-DE" sz="1400" dirty="0"/>
-              <a:t>	CRC32:	</a:t>
-            </a:r>
-            <a:r>
-              <a:rPr lang="de-DE" sz="1400" dirty="0" smtClean="0"/>
-              <a:t>5a82fd08</a:t>
+              <a:t>	CRC32:	5a82fd08</a:t>
             </a:r>
           </a:p>
           <a:p>
@@ -5838,16 +5797,12 @@
               <a:t>	</a:t>
             </a:r>
             <a:r>
-              <a:rPr lang="de-DE" sz="1400" dirty="0" err="1" smtClean="0"/>
+              <a:rPr lang="de-DE" sz="1400" dirty="0" err="1"/>
               <a:t>Address</a:t>
             </a:r>
             <a:r>
               <a:rPr lang="de-DE" sz="1400" dirty="0"/>
-              <a:t>:	</a:t>
-            </a:r>
-            <a:r>
-              <a:rPr lang="de-DE" sz="1400" dirty="0" smtClean="0"/>
-              <a:t>0x</a:t>
+              <a:t>:	0x</a:t>
             </a:r>
             <a:r>
               <a:rPr lang="de-DE" sz="1400" dirty="0">
@@ -5864,11 +5819,11 @@
               <a:t>	</a:t>
             </a:r>
             <a:r>
-              <a:rPr lang="de-DE" sz="1400" dirty="0" err="1" smtClean="0"/>
+              <a:rPr lang="de-DE" sz="1400" dirty="0" err="1"/>
               <a:t>Length</a:t>
             </a:r>
             <a:r>
-              <a:rPr lang="de-DE" sz="1400" dirty="0" smtClean="0"/>
+              <a:rPr lang="de-DE" sz="1400" dirty="0"/>
               <a:t>: 	0x</a:t>
             </a:r>
             <a:r>
@@ -5886,47 +5841,7 @@
           <a:p>
             <a:r>
               <a:rPr lang="de-DE" sz="1400" dirty="0"/>
-              <a:t>Private </a:t>
-            </a:r>
-            <a:r>
-              <a:rPr lang="de-DE" sz="1400" dirty="0" smtClean="0"/>
-              <a:t>Key:</a:t>
-            </a:r>
-            <a:br>
-              <a:rPr lang="de-DE" sz="1400" dirty="0" smtClean="0"/>
-            </a:br>
-            <a:r>
-              <a:rPr lang="de-DE" sz="1400" dirty="0" err="1" smtClean="0"/>
-              <a:t>EccKey</a:t>
-            </a:r>
-            <a:r>
-              <a:rPr lang="de-DE" sz="1400" dirty="0" smtClean="0"/>
-              <a:t>(</a:t>
-            </a:r>
-            <a:r>
-              <a:rPr lang="de-DE" sz="1400" dirty="0" err="1" smtClean="0"/>
-              <a:t>curve</a:t>
-            </a:r>
-            <a:r>
-              <a:rPr lang="de-DE" sz="1400" dirty="0"/>
-              <a:t>='NIST P-256', </a:t>
-            </a:r>
-            <a:r>
-              <a:rPr lang="de-DE" sz="1400" dirty="0" smtClean="0"/>
-              <a:t>d=7719472615821079694904732333912527190217998977709370935963838933860875309329)</a:t>
-            </a:r>
-          </a:p>
-          <a:p>
-            <a:endParaRPr lang="de-DE" sz="1400" dirty="0"/>
-          </a:p>
-          <a:p>
-            <a:r>
-              <a:rPr lang="de-DE" sz="1400" dirty="0" smtClean="0"/>
-              <a:t>Public Key:</a:t>
-            </a:r>
-            <a:r>
-              <a:rPr lang="de-DE" sz="1400" dirty="0"/>
-              <a:t/>
+              <a:t>Private Key:</a:t>
             </a:r>
             <a:br>
               <a:rPr lang="de-DE" sz="1400" dirty="0"/>
@@ -5945,6 +5860,34 @@
             </a:r>
             <a:r>
               <a:rPr lang="de-DE" sz="1400" dirty="0"/>
+              <a:t>='NIST P-256', d=7719472615821079694904732333912527190217998977709370935963838933860875309329)</a:t>
+            </a:r>
+          </a:p>
+          <a:p>
+            <a:endParaRPr lang="de-DE" sz="1400" dirty="0"/>
+          </a:p>
+          <a:p>
+            <a:r>
+              <a:rPr lang="de-DE" sz="1400" dirty="0"/>
+              <a:t>Public Key:</a:t>
+            </a:r>
+            <a:br>
+              <a:rPr lang="de-DE" sz="1400" dirty="0"/>
+            </a:br>
+            <a:r>
+              <a:rPr lang="de-DE" sz="1400" dirty="0" err="1"/>
+              <a:t>EccKey</a:t>
+            </a:r>
+            <a:r>
+              <a:rPr lang="de-DE" sz="1400" dirty="0"/>
+              <a:t>(</a:t>
+            </a:r>
+            <a:r>
+              <a:rPr lang="de-DE" sz="1400" dirty="0" err="1"/>
+              <a:t>curve</a:t>
+            </a:r>
+            <a:r>
+              <a:rPr lang="de-DE" sz="1400" dirty="0"/>
               <a:t>='NIST P-256', </a:t>
             </a:r>
             <a:r>
@@ -5961,11 +5904,7 @@
             </a:r>
             <a:r>
               <a:rPr lang="de-DE" sz="1400" dirty="0"/>
-              <a:t>=11439436972696770623944912632994193062547382127508294000692830903890707634068</a:t>
-            </a:r>
-            <a:r>
-              <a:rPr lang="de-DE" sz="1400" dirty="0" smtClean="0"/>
-              <a:t>)</a:t>
+              <a:t>=11439436972696770623944912632994193062547382127508294000692830903890707634068)</a:t>
             </a:r>
           </a:p>
           <a:p>
@@ -5973,27 +5912,27 @@
           </a:p>
           <a:p>
             <a:r>
-              <a:rPr lang="de-DE" sz="1400" dirty="0" err="1" smtClean="0"/>
+              <a:rPr lang="de-DE" sz="1400" dirty="0" err="1"/>
               <a:t>Signature</a:t>
             </a:r>
             <a:r>
-              <a:rPr lang="de-DE" sz="1400" dirty="0" smtClean="0"/>
+              <a:rPr lang="de-DE" sz="1400" dirty="0"/>
               <a:t>: </a:t>
             </a:r>
             <a:r>
-              <a:rPr lang="de-DE" sz="1400" dirty="0" err="1" smtClean="0"/>
+              <a:rPr lang="de-DE" sz="1400" dirty="0" err="1"/>
               <a:t>Two</a:t>
             </a:r>
             <a:r>
-              <a:rPr lang="de-DE" sz="1400" dirty="0" smtClean="0"/>
+              <a:rPr lang="de-DE" sz="1400" dirty="0"/>
               <a:t> </a:t>
             </a:r>
             <a:r>
-              <a:rPr lang="de-DE" sz="1400" dirty="0" err="1" smtClean="0"/>
+              <a:rPr lang="de-DE" sz="1400" dirty="0" err="1"/>
               <a:t>integers</a:t>
             </a:r>
             <a:r>
-              <a:rPr lang="de-DE" sz="1400" i="1" dirty="0" smtClean="0"/>
+              <a:rPr lang="de-DE" sz="1400" i="1" dirty="0"/>
               <a:t> </a:t>
             </a:r>
             <a:r>
@@ -6005,15 +5944,15 @@
               <a:t>r</a:t>
             </a:r>
             <a:r>
-              <a:rPr lang="de-DE" sz="1400" i="1" dirty="0" smtClean="0"/>
+              <a:rPr lang="de-DE" sz="1400" i="1" dirty="0"/>
               <a:t> </a:t>
             </a:r>
             <a:r>
-              <a:rPr lang="de-DE" sz="1400" dirty="0" err="1" smtClean="0"/>
+              <a:rPr lang="de-DE" sz="1400" dirty="0" err="1"/>
               <a:t>and</a:t>
             </a:r>
             <a:r>
-              <a:rPr lang="de-DE" sz="1400" dirty="0" smtClean="0"/>
+              <a:rPr lang="de-DE" sz="1400" dirty="0"/>
               <a:t> </a:t>
             </a:r>
             <a:r>
@@ -6062,13 +6001,6 @@
   <p:clrMapOvr>
     <a:masterClrMapping/>
   </p:clrMapOvr>
-  <p:timing>
-    <p:tnLst>
-      <p:par>
-        <p:cTn id="1" dur="indefinite" restart="never" nodeType="tmRoot"/>
-      </p:par>
-    </p:tnLst>
-  </p:timing>
 </p:sld>
 </file>
 
@@ -6111,7 +6043,7 @@
           <a:lstStyle/>
           <a:p>
             <a:r>
-              <a:rPr lang="de-DE" dirty="0" err="1" smtClean="0"/>
+              <a:rPr lang="de-DE" dirty="0" err="1"/>
               <a:t>ODXCreate</a:t>
             </a:r>
             <a:endParaRPr lang="de-DE" dirty="0"/>
@@ -6145,11 +6077,11 @@
           <a:lstStyle/>
           <a:p>
             <a:r>
-              <a:rPr lang="de-DE" dirty="0" smtClean="0"/>
+              <a:rPr lang="de-DE" dirty="0"/>
               <a:t>ECDSA_with_SHA256(</a:t>
             </a:r>
             <a:r>
-              <a:rPr lang="de-DE" dirty="0" err="1" smtClean="0">
+              <a:rPr lang="de-DE" dirty="0" err="1">
                 <a:solidFill>
                   <a:srgbClr val="FFC000"/>
                 </a:solidFill>
@@ -6157,11 +6089,11 @@
               <a:t>Address</a:t>
             </a:r>
             <a:r>
-              <a:rPr lang="de-DE" dirty="0" smtClean="0"/>
+              <a:rPr lang="de-DE" dirty="0"/>
               <a:t> | </a:t>
             </a:r>
             <a:r>
-              <a:rPr lang="de-DE" dirty="0" err="1" smtClean="0">
+              <a:rPr lang="de-DE" dirty="0" err="1">
                 <a:solidFill>
                   <a:srgbClr val="3AB4BA"/>
                 </a:solidFill>
@@ -6169,11 +6101,11 @@
               <a:t>Length</a:t>
             </a:r>
             <a:r>
-              <a:rPr lang="de-DE" dirty="0" smtClean="0"/>
+              <a:rPr lang="de-DE" dirty="0"/>
               <a:t> | </a:t>
             </a:r>
             <a:r>
-              <a:rPr lang="de-DE" dirty="0" err="1" smtClean="0">
+              <a:rPr lang="de-DE" dirty="0" err="1">
                 <a:solidFill>
                   <a:srgbClr val="658E11"/>
                 </a:solidFill>
@@ -6181,24 +6113,24 @@
               <a:t>Demo.bin</a:t>
             </a:r>
             <a:r>
-              <a:rPr lang="de-DE" dirty="0" smtClean="0"/>
+              <a:rPr lang="de-DE" dirty="0"/>
               <a:t>)</a:t>
             </a:r>
             <a:br>
-              <a:rPr lang="de-DE" dirty="0" smtClean="0"/>
+              <a:rPr lang="de-DE" dirty="0"/>
             </a:br>
             <a:r>
-              <a:rPr lang="de-DE" dirty="0" smtClean="0"/>
+              <a:rPr lang="de-DE" dirty="0"/>
               <a:t>= </a:t>
             </a:r>
           </a:p>
           <a:p>
             <a:r>
-              <a:rPr lang="de-DE" dirty="0" smtClean="0"/>
+              <a:rPr lang="de-DE" dirty="0"/>
               <a:t>ECDSA_with_SHA256(0x</a:t>
             </a:r>
             <a:r>
-              <a:rPr lang="de-DE" dirty="0" smtClean="0">
+              <a:rPr lang="de-DE" dirty="0">
                 <a:solidFill>
                   <a:srgbClr val="FFC000"/>
                 </a:solidFill>
@@ -6206,7 +6138,7 @@
               <a:t>00000001</a:t>
             </a:r>
             <a:r>
-              <a:rPr lang="de-DE" dirty="0" smtClean="0">
+              <a:rPr lang="de-DE" dirty="0">
                 <a:solidFill>
                   <a:srgbClr val="3AB4BA"/>
                 </a:solidFill>
@@ -6214,7 +6146,7 @@
               <a:t>00000004</a:t>
             </a:r>
             <a:r>
-              <a:rPr lang="de-DE" dirty="0" smtClean="0">
+              <a:rPr lang="de-DE" dirty="0">
                 <a:solidFill>
                   <a:srgbClr val="658E11"/>
                 </a:solidFill>
@@ -6222,21 +6154,17 @@
               <a:t>3132330a</a:t>
             </a:r>
             <a:r>
-              <a:rPr lang="de-DE" dirty="0" smtClean="0"/>
+              <a:rPr lang="de-DE" dirty="0"/>
               <a:t>)</a:t>
             </a:r>
           </a:p>
           <a:p>
             <a:r>
               <a:rPr lang="de-DE" dirty="0"/>
-              <a:t>= </a:t>
-            </a:r>
-            <a:r>
-              <a:rPr lang="de-DE" dirty="0" smtClean="0"/>
-              <a:t>0x</a:t>
-            </a:r>
-            <a:r>
-              <a:rPr lang="de-DE" dirty="0" smtClean="0">
+              <a:t>= 0x</a:t>
+            </a:r>
+            <a:r>
+              <a:rPr lang="de-DE" dirty="0">
                 <a:solidFill>
                   <a:srgbClr val="3C007E"/>
                 </a:solidFill>
@@ -6244,117 +6172,101 @@
               <a:t>aa5890f40ff9c4188cef9b7b38d30c0e1e2d470153fd2dcbbdb6c93adb3551b1</a:t>
             </a:r>
             <a:r>
-              <a:rPr lang="de-DE" dirty="0" smtClean="0">
+              <a:rPr lang="de-DE" dirty="0">
                 <a:solidFill>
                   <a:srgbClr val="B7006D"/>
                 </a:solidFill>
               </a:rPr>
               <a:t>059ec1f775a8c13e85208ab612f366f12a6f846b74da24f0f1b7e5fbed43d2d4</a:t>
             </a:r>
-            <a:r>
-              <a:rPr lang="de-DE" dirty="0"/>
-              <a:t/>
-            </a:r>
             <a:br>
               <a:rPr lang="de-DE" dirty="0"/>
             </a:br>
-            <a:endParaRPr lang="de-DE" dirty="0" smtClean="0"/>
-          </a:p>
-          <a:p>
-            <a:r>
-              <a:rPr lang="de-DE" dirty="0" err="1" smtClean="0"/>
+            <a:endParaRPr lang="de-DE" dirty="0"/>
+          </a:p>
+          <a:p>
+            <a:r>
+              <a:rPr lang="de-DE" dirty="0" err="1"/>
               <a:t>Signature</a:t>
             </a:r>
             <a:r>
-              <a:rPr lang="de-DE" dirty="0" smtClean="0"/>
+              <a:rPr lang="de-DE" dirty="0"/>
               <a:t> </a:t>
             </a:r>
             <a:r>
-              <a:rPr lang="de-DE" dirty="0" err="1" smtClean="0"/>
+              <a:rPr lang="de-DE" dirty="0" err="1"/>
               <a:t>of</a:t>
             </a:r>
             <a:r>
-              <a:rPr lang="de-DE" dirty="0" smtClean="0"/>
+              <a:rPr lang="de-DE" dirty="0"/>
               <a:t> </a:t>
             </a:r>
             <a:r>
-              <a:rPr lang="de-DE" dirty="0" err="1" smtClean="0"/>
+              <a:rPr lang="de-DE" dirty="0" err="1"/>
               <a:t>fixed</a:t>
             </a:r>
             <a:r>
-              <a:rPr lang="de-DE" dirty="0" smtClean="0"/>
+              <a:rPr lang="de-DE" dirty="0"/>
+              <a:t> 64Byte </a:t>
+            </a:r>
+            <a:r>
+              <a:rPr lang="de-DE" dirty="0" err="1"/>
+              <a:t>length</a:t>
+            </a:r>
+            <a:r>
+              <a:rPr lang="de-DE" dirty="0"/>
+              <a:t> (</a:t>
+            </a:r>
+            <a:r>
+              <a:rPr lang="de-DE" dirty="0" err="1"/>
+              <a:t>plain</a:t>
+            </a:r>
+            <a:r>
+              <a:rPr lang="de-DE" dirty="0"/>
+              <a:t>-format – </a:t>
+            </a:r>
+            <a:r>
+              <a:rPr lang="de-DE" dirty="0" err="1"/>
+              <a:t>Concatenation</a:t>
+            </a:r>
+            <a:r>
+              <a:rPr lang="de-DE" dirty="0"/>
               <a:t> </a:t>
             </a:r>
             <a:r>
-              <a:rPr lang="de-DE" dirty="0"/>
-              <a:t>64Byte </a:t>
-            </a:r>
-            <a:r>
-              <a:rPr lang="de-DE" dirty="0" err="1" smtClean="0"/>
-              <a:t>length</a:t>
-            </a:r>
-            <a:r>
-              <a:rPr lang="de-DE" dirty="0" smtClean="0"/>
-              <a:t> (</a:t>
-            </a:r>
-            <a:r>
-              <a:rPr lang="de-DE" dirty="0" err="1" smtClean="0"/>
-              <a:t>plain</a:t>
-            </a:r>
-            <a:r>
-              <a:rPr lang="de-DE" dirty="0" smtClean="0"/>
-              <a:t>-format</a:t>
+              <a:rPr lang="de-DE" dirty="0" err="1"/>
+              <a:t>of</a:t>
             </a:r>
             <a:r>
               <a:rPr lang="de-DE" dirty="0"/>
               <a:t> </a:t>
             </a:r>
             <a:r>
-              <a:rPr lang="de-DE" dirty="0" smtClean="0"/>
-              <a:t>– </a:t>
-            </a:r>
-            <a:r>
-              <a:rPr lang="de-DE" dirty="0" err="1" smtClean="0"/>
-              <a:t>Concatenation</a:t>
-            </a:r>
-            <a:r>
-              <a:rPr lang="de-DE" dirty="0" smtClean="0"/>
+              <a:rPr lang="de-DE" dirty="0" err="1"/>
+              <a:t>the</a:t>
+            </a:r>
+            <a:r>
+              <a:rPr lang="de-DE" dirty="0"/>
               <a:t> </a:t>
             </a:r>
             <a:r>
-              <a:rPr lang="de-DE" dirty="0" err="1" smtClean="0"/>
-              <a:t>of</a:t>
-            </a:r>
-            <a:r>
-              <a:rPr lang="de-DE" dirty="0" smtClean="0"/>
-              <a:t> </a:t>
-            </a:r>
-            <a:r>
-              <a:rPr lang="de-DE" dirty="0" err="1" smtClean="0"/>
-              <a:t>the</a:t>
-            </a:r>
-            <a:r>
-              <a:rPr lang="de-DE" dirty="0" smtClean="0"/>
-              <a:t> </a:t>
-            </a:r>
-            <a:r>
-              <a:rPr lang="de-DE" dirty="0" err="1" smtClean="0"/>
+              <a:rPr lang="de-DE" dirty="0" err="1"/>
               <a:t>two</a:t>
             </a:r>
             <a:r>
-              <a:rPr lang="de-DE" dirty="0" smtClean="0"/>
+              <a:rPr lang="de-DE" dirty="0"/>
               <a:t> 32-Byte </a:t>
             </a:r>
             <a:r>
-              <a:rPr lang="de-DE" dirty="0" err="1" smtClean="0"/>
+              <a:rPr lang="de-DE" dirty="0" err="1"/>
               <a:t>integers</a:t>
             </a:r>
             <a:r>
-              <a:rPr lang="de-DE" dirty="0" smtClean="0"/>
+              <a:rPr lang="de-DE" dirty="0"/>
               <a:t>): </a:t>
             </a:r>
             <a:r>
-              <a:rPr lang="de-DE" dirty="0" err="1" smtClean="0">
+              <a:rPr lang="de-DE" dirty="0" err="1">
                 <a:solidFill>
                   <a:srgbClr val="3C007E"/>
                 </a:solidFill>
@@ -6362,11 +6274,11 @@
               <a:t>r</a:t>
             </a:r>
             <a:r>
-              <a:rPr lang="de-DE" dirty="0" err="1" smtClean="0"/>
+              <a:rPr lang="de-DE" dirty="0" err="1"/>
               <a:t>|</a:t>
             </a:r>
             <a:r>
-              <a:rPr lang="de-DE" dirty="0" err="1" smtClean="0">
+              <a:rPr lang="de-DE" dirty="0" err="1">
                 <a:solidFill>
                   <a:srgbClr val="B7006D"/>
                 </a:solidFill>
@@ -6416,13 +6328,6 @@
   <p:clrMapOvr>
     <a:masterClrMapping/>
   </p:clrMapOvr>
-  <p:timing>
-    <p:tnLst>
-      <p:par>
-        <p:cTn id="1" dur="indefinite" restart="never" nodeType="tmRoot"/>
-      </p:par>
-    </p:tnLst>
-  </p:timing>
 </p:sld>
 </file>
 
@@ -6459,10 +6364,9 @@
           <a:lstStyle/>
           <a:p>
             <a:r>
-              <a:rPr lang="de-DE" dirty="0" smtClean="0"/>
+              <a:rPr lang="de-DE" dirty="0"/>
               <a:t>System42</a:t>
             </a:r>
-            <a:endParaRPr lang="de-DE" dirty="0"/>
           </a:p>
         </p:txBody>
       </p:sp>
@@ -6482,11 +6386,11 @@
           <a:lstStyle/>
           <a:p>
             <a:r>
-              <a:rPr lang="de-DE" dirty="0" smtClean="0"/>
+              <a:rPr lang="de-DE" dirty="0"/>
               <a:t>ECDSA_with_SHA256(0x</a:t>
             </a:r>
             <a:r>
-              <a:rPr lang="de-DE" b="1" dirty="0" smtClean="0">
+              <a:rPr lang="de-DE" b="1" dirty="0">
                 <a:solidFill>
                   <a:srgbClr val="C00000"/>
                 </a:solidFill>
@@ -6494,11 +6398,11 @@
               <a:t>302E300A06082A8648CE3D0403020420</a:t>
             </a:r>
             <a:r>
-              <a:rPr lang="de-DE" dirty="0" smtClean="0"/>
+              <a:rPr lang="de-DE" dirty="0"/>
               <a:t> | SHA256(</a:t>
             </a:r>
             <a:r>
-              <a:rPr lang="de-DE" dirty="0" err="1" smtClean="0">
+              <a:rPr lang="de-DE" dirty="0" err="1">
                 <a:solidFill>
                   <a:srgbClr val="FFC000"/>
                 </a:solidFill>
@@ -6506,12 +6410,8 @@
               <a:t>Address</a:t>
             </a:r>
             <a:r>
-              <a:rPr lang="de-DE" dirty="0" smtClean="0"/>
-              <a:t> </a:t>
-            </a:r>
-            <a:r>
-              <a:rPr lang="de-DE" dirty="0"/>
-              <a:t>| </a:t>
+              <a:rPr lang="de-DE" dirty="0"/>
+              <a:t> | </a:t>
             </a:r>
             <a:r>
               <a:rPr lang="de-DE" dirty="0" err="1">
@@ -6534,13 +6434,9 @@
               <a:t>Demo.bin</a:t>
             </a:r>
             <a:r>
-              <a:rPr lang="de-DE" dirty="0" smtClean="0"/>
+              <a:rPr lang="de-DE" dirty="0"/>
               <a:t>) )</a:t>
             </a:r>
-            <a:r>
-              <a:rPr lang="de-DE" dirty="0"/>
-              <a:t/>
-            </a:r>
             <a:br>
               <a:rPr lang="de-DE" dirty="0"/>
             </a:br>
@@ -6548,7 +6444,6 @@
               <a:rPr lang="de-DE" dirty="0"/>
               <a:t>= </a:t>
             </a:r>
-            <a:endParaRPr lang="de-DE" dirty="0" smtClean="0"/>
           </a:p>
           <a:p>
             <a:r>
@@ -6565,15 +6460,7 @@
             </a:r>
             <a:r>
               <a:rPr lang="de-DE" dirty="0"/>
-              <a:t> | </a:t>
-            </a:r>
-            <a:r>
-              <a:rPr lang="de-DE" dirty="0" smtClean="0"/>
-              <a:t>SHA256(</a:t>
-            </a:r>
-            <a:r>
-              <a:rPr lang="de-DE" dirty="0"/>
-              <a:t>0x</a:t>
+              <a:t> | SHA256(0x</a:t>
             </a:r>
             <a:r>
               <a:rPr lang="de-DE" dirty="0">
@@ -6600,81 +6487,68 @@
               <a:t>3132330a</a:t>
             </a:r>
             <a:r>
-              <a:rPr lang="de-DE" dirty="0" smtClean="0"/>
-              <a:t>) </a:t>
+              <a:rPr lang="de-DE" dirty="0"/>
+              <a:t>) )</a:t>
+            </a:r>
+            <a:br>
+              <a:rPr lang="de-DE" dirty="0"/>
+            </a:br>
+            <a:r>
+              <a:rPr lang="de-DE" dirty="0"/>
+              <a:t>= ECDSA_with_SHA256(0x</a:t>
+            </a:r>
+            <a:r>
+              <a:rPr lang="de-DE" b="1" dirty="0">
+                <a:solidFill>
+                  <a:srgbClr val="C00000"/>
+                </a:solidFill>
+              </a:rPr>
+              <a:t>302E300A06082A8648CE3D0403020420</a:t>
+            </a:r>
+            <a:r>
+              <a:rPr lang="de-DE" dirty="0">
+                <a:solidFill>
+                  <a:srgbClr val="3A6B9B"/>
+                </a:solidFill>
+              </a:rPr>
+              <a:t>43e3023a3b8d97c58cf3a9f1d60d5553a32505048b94528320819c785031c7e3</a:t>
             </a:r>
             <a:r>
               <a:rPr lang="de-DE" dirty="0"/>
               <a:t>)</a:t>
             </a:r>
-            <a:br>
-              <a:rPr lang="de-DE" dirty="0"/>
-            </a:br>
-            <a:r>
-              <a:rPr lang="de-DE" dirty="0"/>
-              <a:t>= </a:t>
-            </a:r>
-            <a:r>
-              <a:rPr lang="de-DE" dirty="0" smtClean="0"/>
-              <a:t>ECDSA_with_SHA256(0x</a:t>
-            </a:r>
-            <a:r>
-              <a:rPr lang="de-DE" b="1" dirty="0" smtClean="0">
+          </a:p>
+          <a:p>
+            <a:r>
+              <a:rPr lang="de-DE" dirty="0"/>
+              <a:t>= 0x</a:t>
+            </a:r>
+            <a:r>
+              <a:rPr lang="de-DE" dirty="0">
                 <a:solidFill>
                   <a:srgbClr val="C00000"/>
                 </a:solidFill>
               </a:rPr>
-              <a:t>302E300A06082A8648CE3D0403020420</a:t>
-            </a:r>
-            <a:r>
-              <a:rPr lang="de-DE" dirty="0" smtClean="0">
-                <a:solidFill>
-                  <a:srgbClr val="3A6B9B"/>
-                </a:solidFill>
-              </a:rPr>
-              <a:t>43e3023a3b8d97c58cf3a9f1d60d5553a32505048b94528320819c785031c7e3</a:t>
-            </a:r>
-            <a:r>
-              <a:rPr lang="de-DE" dirty="0" smtClean="0"/>
-              <a:t>)</a:t>
-            </a:r>
-            <a:endParaRPr lang="de-DE" dirty="0"/>
-          </a:p>
-          <a:p>
-            <a:r>
-              <a:rPr lang="de-DE" dirty="0"/>
-              <a:t>= </a:t>
-            </a:r>
-            <a:r>
-              <a:rPr lang="de-DE" dirty="0" smtClean="0"/>
-              <a:t>0x</a:t>
-            </a:r>
-            <a:r>
-              <a:rPr lang="de-DE" dirty="0" smtClean="0">
+              <a:t>3045022100</a:t>
+            </a:r>
+            <a:r>
+              <a:rPr lang="de-DE" dirty="0">
+                <a:solidFill>
+                  <a:srgbClr val="3C007E"/>
+                </a:solidFill>
+              </a:rPr>
+              <a:t>a95759c291d9c5cc7b081dabcb718cfb95536739560196b29775f66201aef5ec</a:t>
+            </a:r>
+            <a:r>
+              <a:rPr lang="de-DE" dirty="0">
                 <a:solidFill>
                   <a:srgbClr val="C00000"/>
                 </a:solidFill>
               </a:rPr>
-              <a:t>3045022100</a:t>
-            </a:r>
-            <a:r>
-              <a:rPr lang="de-DE" dirty="0" smtClean="0">
-                <a:solidFill>
-                  <a:srgbClr val="3C007E"/>
-                </a:solidFill>
-              </a:rPr>
-              <a:t>a95759c291d9c5cc7b081dabcb718cfb95536739560196b29775f66201aef5ec</a:t>
-            </a:r>
-            <a:r>
-              <a:rPr lang="de-DE" dirty="0" smtClean="0">
-                <a:solidFill>
-                  <a:srgbClr val="C00000"/>
-                </a:solidFill>
-              </a:rPr>
               <a:t>0220</a:t>
             </a:r>
             <a:r>
-              <a:rPr lang="de-DE" dirty="0" smtClean="0">
+              <a:rPr lang="de-DE" dirty="0">
                 <a:solidFill>
                   <a:srgbClr val="B7006D"/>
                 </a:solidFill>
@@ -6684,11 +6558,11 @@
           </a:p>
           <a:p>
             <a:r>
-              <a:rPr lang="de-DE" dirty="0" err="1" smtClean="0"/>
+              <a:rPr lang="de-DE" dirty="0" err="1"/>
               <a:t>Signature</a:t>
             </a:r>
             <a:r>
-              <a:rPr lang="de-DE" dirty="0" smtClean="0"/>
+              <a:rPr lang="de-DE" dirty="0"/>
               <a:t> </a:t>
             </a:r>
             <a:r>
@@ -6700,7 +6574,7 @@
               <a:t> </a:t>
             </a:r>
             <a:r>
-              <a:rPr lang="de-DE" u="sng" dirty="0" smtClean="0">
+              <a:rPr lang="de-DE" u="sng" dirty="0">
                 <a:solidFill>
                   <a:srgbClr val="C00000"/>
                 </a:solidFill>
@@ -6708,72 +6582,67 @@
               <a:t>variable </a:t>
             </a:r>
             <a:r>
-              <a:rPr lang="de-DE" dirty="0" err="1" smtClean="0"/>
+              <a:rPr lang="de-DE" dirty="0" err="1"/>
               <a:t>length</a:t>
             </a:r>
-            <a:r>
-              <a:rPr lang="de-DE" dirty="0" smtClean="0"/>
-              <a:t/>
-            </a:r>
             <a:br>
-              <a:rPr lang="de-DE" dirty="0" smtClean="0"/>
+              <a:rPr lang="de-DE" dirty="0"/>
             </a:br>
             <a:r>
-              <a:rPr lang="de-DE" dirty="0" smtClean="0"/>
+              <a:rPr lang="de-DE" dirty="0"/>
               <a:t>(</a:t>
             </a:r>
             <a:r>
-              <a:rPr lang="de-DE" dirty="0" err="1" smtClean="0"/>
+              <a:rPr lang="de-DE" dirty="0" err="1"/>
               <a:t>format</a:t>
             </a:r>
             <a:r>
-              <a:rPr lang="de-DE" dirty="0" smtClean="0"/>
+              <a:rPr lang="de-DE" dirty="0"/>
               <a:t> </a:t>
             </a:r>
             <a:r>
-              <a:rPr lang="de-DE" dirty="0" err="1" smtClean="0"/>
+              <a:rPr lang="de-DE" dirty="0" err="1"/>
               <a:t>partly</a:t>
             </a:r>
             <a:r>
-              <a:rPr lang="de-DE" dirty="0" smtClean="0"/>
+              <a:rPr lang="de-DE" dirty="0"/>
               <a:t> </a:t>
             </a:r>
             <a:r>
-              <a:rPr lang="de-DE" dirty="0" err="1" smtClean="0"/>
+              <a:rPr lang="de-DE" dirty="0" err="1"/>
               <a:t>according</a:t>
             </a:r>
             <a:r>
-              <a:rPr lang="de-DE" dirty="0" smtClean="0"/>
+              <a:rPr lang="de-DE" dirty="0"/>
               <a:t> </a:t>
             </a:r>
             <a:r>
-              <a:rPr lang="de-DE" dirty="0" err="1" smtClean="0"/>
+              <a:rPr lang="de-DE" dirty="0" err="1"/>
               <a:t>to</a:t>
             </a:r>
             <a:r>
-              <a:rPr lang="de-DE" dirty="0" smtClean="0"/>
+              <a:rPr lang="de-DE" dirty="0"/>
               <a:t> 1.2.840.10045.4.3.2,</a:t>
             </a:r>
             <a:br>
-              <a:rPr lang="de-DE" dirty="0" smtClean="0"/>
+              <a:rPr lang="de-DE" dirty="0"/>
             </a:br>
             <a:r>
-              <a:rPr lang="de-DE" dirty="0" err="1" smtClean="0"/>
+              <a:rPr lang="de-DE" dirty="0" err="1"/>
               <a:t>defined</a:t>
             </a:r>
             <a:r>
-              <a:rPr lang="de-DE" dirty="0" smtClean="0"/>
+              <a:rPr lang="de-DE" dirty="0"/>
               <a:t> in RFC 5758 und RFC 3279 (</a:t>
             </a:r>
             <a:r>
-              <a:rPr lang="de-DE" dirty="0" err="1" smtClean="0"/>
+              <a:rPr lang="de-DE" dirty="0" err="1"/>
               <a:t>without</a:t>
             </a:r>
             <a:r>
-              <a:rPr lang="de-DE" dirty="0" smtClean="0"/>
+              <a:rPr lang="de-DE" dirty="0"/>
               <a:t> OID))</a:t>
             </a:r>
-            <a:endParaRPr lang="de-DE" dirty="0"/>
           </a:p>
         </p:txBody>
       </p:sp>
@@ -6960,7 +6829,7 @@
           <a:lstStyle/>
           <a:p>
             <a:r>
-              <a:rPr lang="de-DE" sz="1200" b="1" dirty="0" smtClean="0">
+              <a:rPr lang="de-DE" sz="1200" b="1" dirty="0">
                 <a:solidFill>
                   <a:srgbClr val="3C007E"/>
                 </a:solidFill>
@@ -6968,25 +6837,20 @@
               <a:t>r</a:t>
             </a:r>
             <a:br>
-              <a:rPr lang="de-DE" sz="1200" b="1" dirty="0" smtClean="0">
+              <a:rPr lang="de-DE" sz="1200" b="1" dirty="0">
                 <a:solidFill>
                   <a:srgbClr val="3C007E"/>
                 </a:solidFill>
               </a:rPr>
             </a:br>
             <a:r>
-              <a:rPr lang="de-DE" sz="1200" b="1" dirty="0" smtClean="0">
+              <a:rPr lang="de-DE" sz="1200" b="1" dirty="0">
                 <a:solidFill>
                   <a:srgbClr val="B7006D"/>
                 </a:solidFill>
               </a:rPr>
               <a:t>s</a:t>
             </a:r>
-            <a:endParaRPr lang="de-DE" sz="1200" b="1" dirty="0">
-              <a:solidFill>
-                <a:srgbClr val="B7006D"/>
-              </a:solidFill>
-            </a:endParaRPr>
           </a:p>
         </p:txBody>
       </p:sp>
@@ -7111,7 +6975,7 @@
                 <a:spcPts val="600"/>
               </a:spcBef>
             </a:pPr>
-            <a:endParaRPr lang="de-DE" dirty="0" smtClean="0">
+            <a:endParaRPr lang="de-DE" dirty="0">
               <a:solidFill>
                 <a:schemeClr val="tx1"/>
               </a:solidFill>
@@ -7175,13 +7039,6 @@
   <p:clrMapOvr>
     <a:masterClrMapping/>
   </p:clrMapOvr>
-  <p:timing>
-    <p:tnLst>
-      <p:par>
-        <p:cTn id="1" dur="indefinite" restart="never" nodeType="tmRoot"/>
-      </p:par>
-    </p:tnLst>
-  </p:timing>
 </p:sld>
 </file>
 
@@ -7218,10 +7075,9 @@
           <a:lstStyle/>
           <a:p>
             <a:r>
-              <a:rPr lang="de-DE" dirty="0" smtClean="0"/>
+              <a:rPr lang="de-DE" dirty="0"/>
               <a:t>System42</a:t>
             </a:r>
-            <a:endParaRPr lang="de-DE" dirty="0"/>
           </a:p>
         </p:txBody>
       </p:sp>
@@ -7241,11 +7097,11 @@
           <a:lstStyle/>
           <a:p>
             <a:r>
-              <a:rPr lang="de-DE" dirty="0" smtClean="0"/>
+              <a:rPr lang="de-DE" dirty="0"/>
               <a:t>ECDSA_with_SHA256(0x</a:t>
             </a:r>
             <a:r>
-              <a:rPr lang="de-DE" b="1" dirty="0" smtClean="0">
+              <a:rPr lang="de-DE" b="1" dirty="0">
                 <a:solidFill>
                   <a:srgbClr val="C00000"/>
                 </a:solidFill>
@@ -7253,11 +7109,11 @@
               <a:t>302E300A06082A8648CE3D0403020420</a:t>
             </a:r>
             <a:r>
-              <a:rPr lang="de-DE" dirty="0" smtClean="0"/>
+              <a:rPr lang="de-DE" dirty="0"/>
               <a:t> | SHA256(</a:t>
             </a:r>
             <a:r>
-              <a:rPr lang="de-DE" dirty="0" err="1" smtClean="0">
+              <a:rPr lang="de-DE" dirty="0" err="1">
                 <a:solidFill>
                   <a:srgbClr val="FFC000"/>
                 </a:solidFill>
@@ -7265,12 +7121,8 @@
               <a:t>Address</a:t>
             </a:r>
             <a:r>
-              <a:rPr lang="de-DE" dirty="0" smtClean="0"/>
-              <a:t> </a:t>
-            </a:r>
-            <a:r>
-              <a:rPr lang="de-DE" dirty="0"/>
-              <a:t>| </a:t>
+              <a:rPr lang="de-DE" dirty="0"/>
+              <a:t> | </a:t>
             </a:r>
             <a:r>
               <a:rPr lang="de-DE" dirty="0" err="1">
@@ -7293,13 +7145,9 @@
               <a:t>Demo.bin</a:t>
             </a:r>
             <a:r>
-              <a:rPr lang="de-DE" dirty="0" smtClean="0"/>
+              <a:rPr lang="de-DE" dirty="0"/>
               <a:t>) )</a:t>
             </a:r>
-            <a:r>
-              <a:rPr lang="de-DE" dirty="0"/>
-              <a:t/>
-            </a:r>
             <a:br>
               <a:rPr lang="de-DE" dirty="0"/>
             </a:br>
@@ -7307,7 +7155,6 @@
               <a:rPr lang="de-DE" dirty="0"/>
               <a:t>= </a:t>
             </a:r>
-            <a:endParaRPr lang="de-DE" dirty="0" smtClean="0"/>
           </a:p>
           <a:p>
             <a:r>
@@ -7324,15 +7171,7 @@
             </a:r>
             <a:r>
               <a:rPr lang="de-DE" dirty="0"/>
-              <a:t> | </a:t>
-            </a:r>
-            <a:r>
-              <a:rPr lang="de-DE" dirty="0" smtClean="0"/>
-              <a:t>SHA256(</a:t>
-            </a:r>
-            <a:r>
-              <a:rPr lang="de-DE" dirty="0"/>
-              <a:t>0x</a:t>
+              <a:t> | SHA256(0x</a:t>
             </a:r>
             <a:r>
               <a:rPr lang="de-DE" dirty="0">
@@ -7359,57 +7198,44 @@
               <a:t>3132330a</a:t>
             </a:r>
             <a:r>
-              <a:rPr lang="de-DE" dirty="0" smtClean="0"/>
-              <a:t>) </a:t>
+              <a:rPr lang="de-DE" dirty="0"/>
+              <a:t>) )</a:t>
+            </a:r>
+            <a:br>
+              <a:rPr lang="de-DE" dirty="0"/>
+            </a:br>
+            <a:r>
+              <a:rPr lang="de-DE" dirty="0"/>
+              <a:t>= ECDSA_with_SHA256(0x</a:t>
+            </a:r>
+            <a:r>
+              <a:rPr lang="de-DE" b="1" dirty="0">
+                <a:solidFill>
+                  <a:srgbClr val="C00000"/>
+                </a:solidFill>
+              </a:rPr>
+              <a:t>302E300A06082A8648CE3D0403020420</a:t>
+            </a:r>
+            <a:r>
+              <a:rPr lang="de-DE" dirty="0">
+                <a:solidFill>
+                  <a:srgbClr val="3A6B9B"/>
+                </a:solidFill>
+              </a:rPr>
+              <a:t>43e3023a3b8d97c58cf3a9f1d60d5553a32505048b94528320819c785031c7e3</a:t>
             </a:r>
             <a:r>
               <a:rPr lang="de-DE" dirty="0"/>
               <a:t>)</a:t>
             </a:r>
-            <a:br>
-              <a:rPr lang="de-DE" dirty="0"/>
-            </a:br>
-            <a:r>
-              <a:rPr lang="de-DE" dirty="0"/>
-              <a:t>= </a:t>
-            </a:r>
-            <a:r>
-              <a:rPr lang="de-DE" dirty="0" smtClean="0"/>
-              <a:t>ECDSA_with_SHA256(0x</a:t>
-            </a:r>
-            <a:r>
-              <a:rPr lang="de-DE" b="1" dirty="0" smtClean="0">
-                <a:solidFill>
-                  <a:srgbClr val="C00000"/>
-                </a:solidFill>
-              </a:rPr>
-              <a:t>302E300A06082A8648CE3D0403020420</a:t>
-            </a:r>
-            <a:r>
-              <a:rPr lang="de-DE" dirty="0" smtClean="0">
-                <a:solidFill>
-                  <a:srgbClr val="3A6B9B"/>
-                </a:solidFill>
-              </a:rPr>
-              <a:t>43e3023a3b8d97c58cf3a9f1d60d5553a32505048b94528320819c785031c7e3</a:t>
-            </a:r>
-            <a:r>
-              <a:rPr lang="de-DE" dirty="0" smtClean="0"/>
-              <a:t>)</a:t>
-            </a:r>
-            <a:endParaRPr lang="de-DE" dirty="0"/>
-          </a:p>
-          <a:p>
-            <a:r>
-              <a:rPr lang="de-DE" dirty="0"/>
-              <a:t>= </a:t>
-            </a:r>
-            <a:r>
-              <a:rPr lang="de-DE" dirty="0" smtClean="0"/>
-              <a:t>0x</a:t>
-            </a:r>
-            <a:r>
-              <a:rPr lang="de-DE" dirty="0" smtClean="0">
+          </a:p>
+          <a:p>
+            <a:r>
+              <a:rPr lang="de-DE" dirty="0"/>
+              <a:t>= 0x</a:t>
+            </a:r>
+            <a:r>
+              <a:rPr lang="de-DE" dirty="0">
                 <a:solidFill>
                   <a:srgbClr val="FF0000"/>
                 </a:solidFill>
@@ -7417,7 +7243,7 @@
               <a:t>3045022100</a:t>
             </a:r>
             <a:r>
-              <a:rPr lang="de-DE" dirty="0" smtClean="0">
+              <a:rPr lang="de-DE" dirty="0">
                 <a:solidFill>
                   <a:srgbClr val="3C007E"/>
                 </a:solidFill>
@@ -7425,7 +7251,7 @@
               <a:t>a95759c291d9c5cc7b081dabcb718cfb95536739560196b29775f66201aef5ec</a:t>
             </a:r>
             <a:r>
-              <a:rPr lang="de-DE" dirty="0" smtClean="0">
+              <a:rPr lang="de-DE" dirty="0">
                 <a:solidFill>
                   <a:srgbClr val="FF0000"/>
                 </a:solidFill>
@@ -7433,7 +7259,7 @@
               <a:t>0220</a:t>
             </a:r>
             <a:r>
-              <a:rPr lang="de-DE" dirty="0" smtClean="0">
+              <a:rPr lang="de-DE" dirty="0">
                 <a:solidFill>
                   <a:srgbClr val="B7006D"/>
                 </a:solidFill>
@@ -7443,11 +7269,11 @@
           </a:p>
           <a:p>
             <a:r>
-              <a:rPr lang="de-DE" dirty="0" err="1" smtClean="0"/>
+              <a:rPr lang="de-DE" dirty="0" err="1"/>
               <a:t>Signature</a:t>
             </a:r>
             <a:r>
-              <a:rPr lang="de-DE" dirty="0" smtClean="0"/>
+              <a:rPr lang="de-DE" dirty="0"/>
               <a:t> </a:t>
             </a:r>
             <a:r>
@@ -7459,7 +7285,7 @@
               <a:t> </a:t>
             </a:r>
             <a:r>
-              <a:rPr lang="de-DE" u="sng" dirty="0" smtClean="0">
+              <a:rPr lang="de-DE" u="sng" dirty="0">
                 <a:solidFill>
                   <a:srgbClr val="C00000"/>
                 </a:solidFill>
@@ -7467,64 +7293,59 @@
               <a:t>variable </a:t>
             </a:r>
             <a:r>
-              <a:rPr lang="de-DE" dirty="0" err="1" smtClean="0"/>
+              <a:rPr lang="de-DE" dirty="0" err="1"/>
               <a:t>length</a:t>
             </a:r>
-            <a:r>
-              <a:rPr lang="de-DE" dirty="0" smtClean="0"/>
-              <a:t/>
-            </a:r>
             <a:br>
-              <a:rPr lang="de-DE" dirty="0" smtClean="0"/>
+              <a:rPr lang="de-DE" dirty="0"/>
             </a:br>
             <a:r>
-              <a:rPr lang="de-DE" dirty="0" smtClean="0"/>
+              <a:rPr lang="de-DE" dirty="0"/>
               <a:t>(</a:t>
             </a:r>
             <a:r>
-              <a:rPr lang="de-DE" dirty="0" err="1" smtClean="0"/>
+              <a:rPr lang="de-DE" dirty="0" err="1"/>
               <a:t>format</a:t>
             </a:r>
             <a:r>
-              <a:rPr lang="de-DE" dirty="0" smtClean="0"/>
+              <a:rPr lang="de-DE" dirty="0"/>
               <a:t> </a:t>
             </a:r>
             <a:r>
-              <a:rPr lang="de-DE" dirty="0" err="1" smtClean="0"/>
+              <a:rPr lang="de-DE" dirty="0" err="1"/>
               <a:t>partly</a:t>
             </a:r>
             <a:r>
-              <a:rPr lang="de-DE" dirty="0" smtClean="0"/>
+              <a:rPr lang="de-DE" dirty="0"/>
               <a:t> </a:t>
             </a:r>
             <a:r>
-              <a:rPr lang="de-DE" dirty="0" err="1" smtClean="0"/>
+              <a:rPr lang="de-DE" dirty="0" err="1"/>
               <a:t>according</a:t>
             </a:r>
             <a:r>
-              <a:rPr lang="de-DE" dirty="0" smtClean="0"/>
+              <a:rPr lang="de-DE" dirty="0"/>
               <a:t> to1.2.840.10045.4.3.2,</a:t>
             </a:r>
             <a:br>
-              <a:rPr lang="de-DE" dirty="0" smtClean="0"/>
+              <a:rPr lang="de-DE" dirty="0"/>
             </a:br>
             <a:r>
-              <a:rPr lang="de-DE" dirty="0" err="1" smtClean="0"/>
+              <a:rPr lang="de-DE" dirty="0" err="1"/>
               <a:t>defined</a:t>
             </a:r>
             <a:r>
-              <a:rPr lang="de-DE" dirty="0" smtClean="0"/>
+              <a:rPr lang="de-DE" dirty="0"/>
               <a:t> in RFC 5758 und RFC 3279 (</a:t>
             </a:r>
             <a:r>
-              <a:rPr lang="de-DE" dirty="0" err="1" smtClean="0"/>
+              <a:rPr lang="de-DE" dirty="0" err="1"/>
               <a:t>without</a:t>
             </a:r>
             <a:r>
-              <a:rPr lang="de-DE" dirty="0" smtClean="0"/>
+              <a:rPr lang="de-DE" dirty="0"/>
               <a:t> OID))</a:t>
             </a:r>
-            <a:endParaRPr lang="de-DE" dirty="0"/>
           </a:p>
         </p:txBody>
       </p:sp>
@@ -7711,7 +7532,7 @@
           <a:lstStyle/>
           <a:p>
             <a:r>
-              <a:rPr lang="de-DE" sz="1200" b="1" dirty="0" smtClean="0">
+              <a:rPr lang="de-DE" sz="1200" b="1" dirty="0">
                 <a:solidFill>
                   <a:srgbClr val="3C007E"/>
                 </a:solidFill>
@@ -7719,25 +7540,20 @@
               <a:t>r</a:t>
             </a:r>
             <a:br>
-              <a:rPr lang="de-DE" sz="1200" b="1" dirty="0" smtClean="0">
+              <a:rPr lang="de-DE" sz="1200" b="1" dirty="0">
                 <a:solidFill>
                   <a:srgbClr val="3C007E"/>
                 </a:solidFill>
               </a:rPr>
             </a:br>
             <a:r>
-              <a:rPr lang="de-DE" sz="1200" b="1" dirty="0" smtClean="0">
+              <a:rPr lang="de-DE" sz="1200" b="1" dirty="0">
                 <a:solidFill>
                   <a:srgbClr val="B7006D"/>
                 </a:solidFill>
               </a:rPr>
               <a:t>s</a:t>
             </a:r>
-            <a:endParaRPr lang="de-DE" sz="1200" b="1" dirty="0">
-              <a:solidFill>
-                <a:srgbClr val="B7006D"/>
-              </a:solidFill>
-            </a:endParaRPr>
           </a:p>
         </p:txBody>
       </p:sp>
@@ -7862,7 +7678,7 @@
                 <a:spcPts val="600"/>
               </a:spcBef>
             </a:pPr>
-            <a:endParaRPr lang="de-DE" dirty="0" smtClean="0">
+            <a:endParaRPr lang="de-DE" dirty="0">
               <a:solidFill>
                 <a:schemeClr val="tx1"/>
               </a:solidFill>
@@ -7971,7 +7787,7 @@
               </a:spcBef>
             </a:pPr>
             <a:r>
-              <a:rPr lang="de-DE" sz="1400" dirty="0" err="1" smtClean="0">
+              <a:rPr lang="de-DE" sz="1400" dirty="0" err="1">
                 <a:solidFill>
                   <a:schemeClr val="tx1"/>
                 </a:solidFill>
@@ -7979,7 +7795,7 @@
               <a:t>Implicit</a:t>
             </a:r>
             <a:r>
-              <a:rPr lang="de-DE" sz="1400" dirty="0" smtClean="0">
+              <a:rPr lang="de-DE" sz="1400" dirty="0">
                 <a:solidFill>
                   <a:schemeClr val="tx1"/>
                 </a:solidFill>
@@ -7987,14 +7803,14 @@
               <a:t> double </a:t>
             </a:r>
             <a:r>
-              <a:rPr lang="de-DE" sz="1400" dirty="0" err="1" smtClean="0">
+              <a:rPr lang="de-DE" sz="1400" dirty="0" err="1">
                 <a:solidFill>
                   <a:schemeClr val="tx1"/>
                 </a:solidFill>
               </a:rPr>
               <a:t>hashing</a:t>
             </a:r>
-            <a:endParaRPr lang="de-DE" sz="1400" dirty="0" smtClean="0">
+            <a:endParaRPr lang="de-DE" sz="1400" dirty="0">
               <a:solidFill>
                 <a:schemeClr val="tx1"/>
               </a:solidFill>
@@ -8057,7 +7873,7 @@
               </a:spcBef>
             </a:pPr>
             <a:r>
-              <a:rPr lang="de-DE" sz="1400" dirty="0" smtClean="0">
+              <a:rPr lang="de-DE" sz="1400" dirty="0">
                 <a:solidFill>
                   <a:schemeClr val="tx1"/>
                 </a:solidFill>
@@ -8065,7 +7881,7 @@
               <a:t>ASN.1 </a:t>
             </a:r>
             <a:r>
-              <a:rPr lang="de-DE" sz="1400" dirty="0" err="1" smtClean="0">
+              <a:rPr lang="de-DE" sz="1400" dirty="0" err="1">
                 <a:solidFill>
                   <a:schemeClr val="tx1"/>
                 </a:solidFill>
@@ -8073,7 +7889,7 @@
               <a:t>Prefix</a:t>
             </a:r>
             <a:r>
-              <a:rPr lang="de-DE" sz="1400" dirty="0" smtClean="0">
+              <a:rPr lang="de-DE" sz="1400" dirty="0">
                 <a:solidFill>
                   <a:schemeClr val="tx1"/>
                 </a:solidFill>
@@ -8081,7 +7897,7 @@
               <a:t> </a:t>
             </a:r>
             <a:r>
-              <a:rPr lang="de-DE" sz="1400" dirty="0" err="1" smtClean="0">
+              <a:rPr lang="de-DE" sz="1400" dirty="0" err="1">
                 <a:solidFill>
                   <a:schemeClr val="tx1"/>
                 </a:solidFill>
@@ -8089,7 +7905,7 @@
               <a:t>identifies</a:t>
             </a:r>
             <a:r>
-              <a:rPr lang="de-DE" sz="1400" dirty="0" smtClean="0">
+              <a:rPr lang="de-DE" sz="1400" dirty="0">
                 <a:solidFill>
                   <a:schemeClr val="tx1"/>
                 </a:solidFill>
@@ -8097,7 +7913,7 @@
               <a:t> a </a:t>
             </a:r>
             <a:r>
-              <a:rPr lang="de-DE" sz="1400" dirty="0" err="1" smtClean="0">
+              <a:rPr lang="de-DE" sz="1400" dirty="0" err="1">
                 <a:solidFill>
                   <a:schemeClr val="tx1"/>
                 </a:solidFill>
@@ -8105,7 +7921,7 @@
               <a:t>signature</a:t>
             </a:r>
             <a:r>
-              <a:rPr lang="de-DE" sz="1400" dirty="0" smtClean="0">
+              <a:rPr lang="de-DE" sz="1400" dirty="0">
                 <a:solidFill>
                   <a:schemeClr val="tx1"/>
                 </a:solidFill>
@@ -8170,7 +7986,7 @@
               </a:spcBef>
             </a:pPr>
             <a:r>
-              <a:rPr lang="de-DE" sz="1400" dirty="0" err="1" smtClean="0">
+              <a:rPr lang="de-DE" sz="1400" dirty="0" err="1">
                 <a:solidFill>
                   <a:schemeClr val="tx1"/>
                 </a:solidFill>
@@ -8178,7 +7994,7 @@
               <a:t>Signature</a:t>
             </a:r>
             <a:r>
-              <a:rPr lang="de-DE" sz="1400" dirty="0" smtClean="0">
+              <a:rPr lang="de-DE" sz="1400" dirty="0">
                 <a:solidFill>
                   <a:schemeClr val="tx1"/>
                 </a:solidFill>
@@ -8186,7 +8002,7 @@
               <a:t> </a:t>
             </a:r>
             <a:r>
-              <a:rPr lang="de-DE" sz="1400" dirty="0" err="1" smtClean="0">
+              <a:rPr lang="de-DE" sz="1400" dirty="0" err="1">
                 <a:solidFill>
                   <a:schemeClr val="tx1"/>
                 </a:solidFill>
@@ -8194,7 +8010,7 @@
               <a:t>embedded</a:t>
             </a:r>
             <a:r>
-              <a:rPr lang="de-DE" sz="1400" dirty="0" smtClean="0">
+              <a:rPr lang="de-DE" sz="1400" dirty="0">
                 <a:solidFill>
                   <a:schemeClr val="tx1"/>
                 </a:solidFill>
@@ -8202,7 +8018,7 @@
               <a:t> in ASN.1 </a:t>
             </a:r>
             <a:r>
-              <a:rPr lang="de-DE" sz="1400" dirty="0" err="1" smtClean="0">
+              <a:rPr lang="de-DE" sz="1400" dirty="0" err="1">
                 <a:solidFill>
                   <a:schemeClr val="tx1"/>
                 </a:solidFill>
@@ -8210,7 +8026,7 @@
               <a:t>structure</a:t>
             </a:r>
             <a:r>
-              <a:rPr lang="de-DE" sz="1400" dirty="0" smtClean="0">
+              <a:rPr lang="de-DE" sz="1400" dirty="0">
                 <a:solidFill>
                   <a:schemeClr val="tx1"/>
                 </a:solidFill>
@@ -8218,7 +8034,7 @@
               <a:t> </a:t>
             </a:r>
             <a:r>
-              <a:rPr lang="de-DE" sz="1400" dirty="0" err="1" smtClean="0">
+              <a:rPr lang="de-DE" sz="1400" dirty="0" err="1">
                 <a:solidFill>
                   <a:schemeClr val="tx1"/>
                 </a:solidFill>
@@ -8226,7 +8042,7 @@
               <a:t>without</a:t>
             </a:r>
             <a:r>
-              <a:rPr lang="de-DE" sz="1400" dirty="0" smtClean="0">
+              <a:rPr lang="de-DE" sz="1400" dirty="0">
                 <a:solidFill>
                   <a:schemeClr val="tx1"/>
                 </a:solidFill>
@@ -8244,7 +8060,7 @@
               </a:spcBef>
             </a:pPr>
             <a:r>
-              <a:rPr lang="de-DE" sz="1400" dirty="0" err="1" smtClean="0">
+              <a:rPr lang="de-DE" sz="1400" dirty="0" err="1">
                 <a:solidFill>
                   <a:schemeClr val="tx1"/>
                 </a:solidFill>
@@ -8252,7 +8068,7 @@
               <a:t>Length</a:t>
             </a:r>
             <a:r>
-              <a:rPr lang="de-DE" sz="1400" dirty="0" smtClean="0">
+              <a:rPr lang="de-DE" sz="1400" dirty="0">
                 <a:solidFill>
                   <a:schemeClr val="tx1"/>
                 </a:solidFill>
@@ -8260,7 +8076,7 @@
               <a:t> </a:t>
             </a:r>
             <a:r>
-              <a:rPr lang="de-DE" sz="1400" dirty="0" err="1" smtClean="0">
+              <a:rPr lang="de-DE" sz="1400" dirty="0" err="1">
                 <a:solidFill>
                   <a:schemeClr val="tx1"/>
                 </a:solidFill>
@@ -8268,7 +8084,7 @@
               <a:t>of</a:t>
             </a:r>
             <a:r>
-              <a:rPr lang="de-DE" sz="1400" dirty="0" smtClean="0">
+              <a:rPr lang="de-DE" sz="1400" dirty="0">
                 <a:solidFill>
                   <a:schemeClr val="tx1"/>
                 </a:solidFill>
@@ -8276,7 +8092,7 @@
               <a:t> INTEGER </a:t>
             </a:r>
             <a:r>
-              <a:rPr lang="de-DE" sz="1400" dirty="0" err="1" smtClean="0">
+              <a:rPr lang="de-DE" sz="1400" dirty="0" err="1">
                 <a:solidFill>
                   <a:schemeClr val="tx1"/>
                 </a:solidFill>
@@ -8284,7 +8100,7 @@
               <a:t>is</a:t>
             </a:r>
             <a:r>
-              <a:rPr lang="de-DE" sz="1400" dirty="0" smtClean="0">
+              <a:rPr lang="de-DE" sz="1400" dirty="0">
                 <a:solidFill>
                   <a:schemeClr val="tx1"/>
                 </a:solidFill>
@@ -8292,7 +8108,7 @@
               <a:t> variable due </a:t>
             </a:r>
             <a:r>
-              <a:rPr lang="de-DE" sz="1400" dirty="0" err="1" smtClean="0">
+              <a:rPr lang="de-DE" sz="1400" dirty="0" err="1">
                 <a:solidFill>
                   <a:schemeClr val="tx1"/>
                 </a:solidFill>
@@ -8300,7 +8116,7 @@
               <a:t>to</a:t>
             </a:r>
             <a:r>
-              <a:rPr lang="de-DE" sz="1400" dirty="0" smtClean="0">
+              <a:rPr lang="de-DE" sz="1400" dirty="0">
                 <a:solidFill>
                   <a:schemeClr val="tx1"/>
                 </a:solidFill>
@@ -8320,13 +8136,6 @@
   <p:clrMapOvr>
     <a:masterClrMapping/>
   </p:clrMapOvr>
-  <p:timing>
-    <p:tnLst>
-      <p:par>
-        <p:cTn id="1" dur="indefinite" restart="never" nodeType="tmRoot"/>
-      </p:par>
-    </p:tnLst>
-  </p:timing>
 </p:sld>
 </file>
 
@@ -8369,14 +8178,13 @@
           <a:lstStyle/>
           <a:p>
             <a:r>
-              <a:rPr lang="de-DE" dirty="0" err="1" smtClean="0"/>
+              <a:rPr lang="de-DE" dirty="0" err="1"/>
               <a:t>ODXStudio</a:t>
             </a:r>
             <a:r>
-              <a:rPr lang="de-DE" dirty="0" smtClean="0"/>
+              <a:rPr lang="de-DE" dirty="0"/>
               <a:t> @ Bosch</a:t>
             </a:r>
-            <a:endParaRPr lang="de-DE" dirty="0"/>
           </a:p>
         </p:txBody>
       </p:sp>
@@ -8448,15 +8256,14 @@
               <a:rPr lang="de-DE" dirty="0"/>
               <a:t>= </a:t>
             </a:r>
-            <a:endParaRPr lang="de-DE" dirty="0" smtClean="0"/>
-          </a:p>
-          <a:p>
-            <a:r>
-              <a:rPr lang="de-DE" dirty="0" smtClean="0"/>
+          </a:p>
+          <a:p>
+            <a:r>
+              <a:rPr lang="de-DE" dirty="0"/>
               <a:t>ECDSA_with_SHA256(0x</a:t>
             </a:r>
             <a:r>
-              <a:rPr lang="de-DE" dirty="0" smtClean="0">
+              <a:rPr lang="de-DE" dirty="0">
                 <a:solidFill>
                   <a:srgbClr val="FFC000"/>
                 </a:solidFill>
@@ -8464,7 +8271,7 @@
               <a:t>0000000</a:t>
             </a:r>
             <a:r>
-              <a:rPr lang="de-DE" b="1" dirty="0" smtClean="0">
+              <a:rPr lang="de-DE" b="1" dirty="0">
                 <a:solidFill>
                   <a:srgbClr val="C00000"/>
                 </a:solidFill>
@@ -8472,7 +8279,7 @@
               <a:t>0</a:t>
             </a:r>
             <a:r>
-              <a:rPr lang="de-DE" dirty="0" smtClean="0">
+              <a:rPr lang="de-DE" dirty="0">
                 <a:solidFill>
                   <a:srgbClr val="3AB4BA"/>
                 </a:solidFill>
@@ -8480,7 +8287,7 @@
               <a:t>00000004</a:t>
             </a:r>
             <a:r>
-              <a:rPr lang="de-DE" dirty="0" smtClean="0">
+              <a:rPr lang="de-DE" dirty="0">
                 <a:solidFill>
                   <a:srgbClr val="658E11"/>
                 </a:solidFill>
@@ -8495,14 +8302,10 @@
           <a:p>
             <a:r>
               <a:rPr lang="de-DE" dirty="0"/>
-              <a:t>= </a:t>
-            </a:r>
-            <a:r>
-              <a:rPr lang="de-DE" dirty="0" smtClean="0"/>
-              <a:t>0x</a:t>
-            </a:r>
-            <a:r>
-              <a:rPr lang="de-DE" dirty="0" smtClean="0">
+              <a:t>= 0x</a:t>
+            </a:r>
+            <a:r>
+              <a:rPr lang="de-DE" dirty="0">
                 <a:solidFill>
                   <a:srgbClr val="3C007E"/>
                 </a:solidFill>
@@ -8516,10 +8319,6 @@
                 </a:solidFill>
               </a:rPr>
               <a:t>f1de324c0229af6e3f6acdc870aaeb62375b4d856fbc8faca366607756ab2f7d</a:t>
-            </a:r>
-            <a:r>
-              <a:rPr lang="de-DE" dirty="0"/>
-              <a:t/>
             </a:r>
             <a:br>
               <a:rPr lang="de-DE" dirty="0"/>
@@ -8600,11 +8399,11 @@
               <a:t> 32-Byte </a:t>
             </a:r>
             <a:r>
-              <a:rPr lang="de-DE" dirty="0" err="1" smtClean="0"/>
+              <a:rPr lang="de-DE" dirty="0" err="1"/>
               <a:t>integers</a:t>
             </a:r>
             <a:r>
-              <a:rPr lang="de-DE" dirty="0" smtClean="0"/>
+              <a:rPr lang="de-DE" dirty="0"/>
               <a:t>): </a:t>
             </a:r>
             <a:r>
@@ -8712,7 +8511,7 @@
                 <a:spcPts val="600"/>
               </a:spcBef>
             </a:pPr>
-            <a:endParaRPr lang="de-DE" dirty="0" smtClean="0">
+            <a:endParaRPr lang="de-DE" dirty="0">
               <a:solidFill>
                 <a:schemeClr val="tx1"/>
               </a:solidFill>
@@ -8769,7 +8568,7 @@
                 <a:spcPts val="600"/>
               </a:spcBef>
             </a:pPr>
-            <a:endParaRPr lang="de-DE" dirty="0" smtClean="0">
+            <a:endParaRPr lang="de-DE" dirty="0">
               <a:solidFill>
                 <a:schemeClr val="tx1"/>
               </a:solidFill>
@@ -8787,13 +8586,6 @@
   <p:clrMapOvr>
     <a:masterClrMapping/>
   </p:clrMapOvr>
-  <p:timing>
-    <p:tnLst>
-      <p:par>
-        <p:cTn id="1" dur="indefinite" restart="never" nodeType="tmRoot"/>
-      </p:par>
-    </p:tnLst>
-  </p:timing>
 </p:sld>
 </file>
 
@@ -8836,14 +8628,13 @@
           <a:lstStyle/>
           <a:p>
             <a:r>
-              <a:rPr lang="de-DE" dirty="0" err="1" smtClean="0"/>
+              <a:rPr lang="de-DE" dirty="0" err="1"/>
               <a:t>Vector-Bootloader</a:t>
             </a:r>
             <a:r>
-              <a:rPr lang="de-DE" dirty="0" smtClean="0"/>
+              <a:rPr lang="de-DE" dirty="0"/>
               <a:t>  @ Bosch</a:t>
             </a:r>
-            <a:endParaRPr lang="de-DE" dirty="0"/>
           </a:p>
         </p:txBody>
       </p:sp>
@@ -8869,11 +8660,11 @@
           <a:lstStyle/>
           <a:p>
             <a:r>
-              <a:rPr lang="de-DE" dirty="0" smtClean="0"/>
+              <a:rPr lang="de-DE" dirty="0"/>
               <a:t>ECDSA_with_SHA256(</a:t>
             </a:r>
             <a:r>
-              <a:rPr lang="de-DE" dirty="0" err="1" smtClean="0">
+              <a:rPr lang="de-DE" dirty="0" err="1">
                 <a:solidFill>
                   <a:srgbClr val="658E11"/>
                 </a:solidFill>
@@ -8891,15 +8682,14 @@
               <a:rPr lang="de-DE" dirty="0"/>
               <a:t>= </a:t>
             </a:r>
-            <a:endParaRPr lang="de-DE" dirty="0" smtClean="0"/>
-          </a:p>
-          <a:p>
-            <a:r>
-              <a:rPr lang="de-DE" dirty="0" smtClean="0"/>
+          </a:p>
+          <a:p>
+            <a:r>
+              <a:rPr lang="de-DE" dirty="0"/>
               <a:t>ECDSA_with_SHA256(0x</a:t>
             </a:r>
             <a:r>
-              <a:rPr lang="de-DE" dirty="0" smtClean="0">
+              <a:rPr lang="de-DE" dirty="0">
                 <a:solidFill>
                   <a:srgbClr val="658E11"/>
                 </a:solidFill>
@@ -8914,14 +8704,10 @@
           <a:p>
             <a:r>
               <a:rPr lang="de-DE" dirty="0"/>
-              <a:t>= </a:t>
-            </a:r>
-            <a:r>
-              <a:rPr lang="de-DE" dirty="0" smtClean="0"/>
-              <a:t>0x</a:t>
-            </a:r>
-            <a:r>
-              <a:rPr lang="de-DE" dirty="0" smtClean="0">
+              <a:t>= 0x</a:t>
+            </a:r>
+            <a:r>
+              <a:rPr lang="de-DE" dirty="0">
                 <a:solidFill>
                   <a:srgbClr val="3C007E"/>
                 </a:solidFill>
@@ -8935,10 +8721,6 @@
                 </a:solidFill>
               </a:rPr>
               <a:t>521a154759ff3cf80f3bd33953957d9705f6040cfde51314c7eb2c50413dd424</a:t>
-            </a:r>
-            <a:r>
-              <a:rPr lang="de-DE" dirty="0"/>
-              <a:t/>
             </a:r>
             <a:br>
               <a:rPr lang="de-DE" dirty="0"/>
@@ -9019,11 +8801,11 @@
               <a:t> 32-Byte </a:t>
             </a:r>
             <a:r>
-              <a:rPr lang="de-DE" dirty="0" err="1" smtClean="0"/>
+              <a:rPr lang="de-DE" dirty="0" err="1"/>
               <a:t>integers</a:t>
             </a:r>
             <a:r>
-              <a:rPr lang="de-DE" dirty="0" smtClean="0"/>
+              <a:rPr lang="de-DE" dirty="0"/>
               <a:t>): </a:t>
             </a:r>
             <a:r>
@@ -9128,7 +8910,7 @@
                 <a:spcPts val="600"/>
               </a:spcBef>
             </a:pPr>
-            <a:endParaRPr lang="de-DE" dirty="0" smtClean="0">
+            <a:endParaRPr lang="de-DE" dirty="0">
               <a:solidFill>
                 <a:schemeClr val="tx1"/>
               </a:solidFill>
@@ -9158,7 +8940,7 @@
           <a:lstStyle/>
           <a:p>
             <a:r>
-              <a:rPr lang="de-DE" b="1" dirty="0" err="1" smtClean="0">
+              <a:rPr lang="de-DE" b="1" dirty="0" err="1">
                 <a:solidFill>
                   <a:srgbClr val="C00000"/>
                 </a:solidFill>
@@ -9166,7 +8948,7 @@
               <a:t>Address</a:t>
             </a:r>
             <a:r>
-              <a:rPr lang="de-DE" b="1" dirty="0" smtClean="0">
+              <a:rPr lang="de-DE" b="1" dirty="0">
                 <a:solidFill>
                   <a:srgbClr val="C00000"/>
                 </a:solidFill>
@@ -9174,7 +8956,7 @@
               <a:t> </a:t>
             </a:r>
             <a:r>
-              <a:rPr lang="de-DE" b="1" dirty="0" err="1" smtClean="0">
+              <a:rPr lang="de-DE" b="1" dirty="0" err="1">
                 <a:solidFill>
                   <a:srgbClr val="C00000"/>
                 </a:solidFill>
@@ -9182,7 +8964,7 @@
               <a:t>and</a:t>
             </a:r>
             <a:r>
-              <a:rPr lang="de-DE" b="1" dirty="0" smtClean="0">
+              <a:rPr lang="de-DE" b="1" dirty="0">
                 <a:solidFill>
                   <a:srgbClr val="C00000"/>
                 </a:solidFill>
@@ -9190,7 +8972,7 @@
               <a:t> </a:t>
             </a:r>
             <a:r>
-              <a:rPr lang="de-DE" b="1" dirty="0" err="1" smtClean="0">
+              <a:rPr lang="de-DE" b="1" dirty="0" err="1">
                 <a:solidFill>
                   <a:srgbClr val="C00000"/>
                 </a:solidFill>
@@ -9198,7 +8980,7 @@
               <a:t>Length</a:t>
             </a:r>
             <a:r>
-              <a:rPr lang="de-DE" b="1" dirty="0" smtClean="0">
+              <a:rPr lang="de-DE" b="1" dirty="0">
                 <a:solidFill>
                   <a:srgbClr val="C00000"/>
                 </a:solidFill>
@@ -9206,7 +8988,7 @@
               <a:t> </a:t>
             </a:r>
             <a:r>
-              <a:rPr lang="de-DE" b="1" dirty="0" err="1" smtClean="0">
+              <a:rPr lang="de-DE" b="1" dirty="0" err="1">
                 <a:solidFill>
                   <a:srgbClr val="C00000"/>
                 </a:solidFill>
@@ -9214,7 +8996,7 @@
               <a:t>are</a:t>
             </a:r>
             <a:r>
-              <a:rPr lang="de-DE" b="1" dirty="0" smtClean="0">
+              <a:rPr lang="de-DE" b="1" dirty="0">
                 <a:solidFill>
                   <a:srgbClr val="C00000"/>
                 </a:solidFill>
@@ -9222,7 +9004,7 @@
               <a:t> not </a:t>
             </a:r>
             <a:r>
-              <a:rPr lang="de-DE" b="1" dirty="0" err="1" smtClean="0">
+              <a:rPr lang="de-DE" b="1" dirty="0" err="1">
                 <a:solidFill>
                   <a:srgbClr val="C00000"/>
                 </a:solidFill>
@@ -9230,7 +9012,7 @@
               <a:t>considered</a:t>
             </a:r>
             <a:r>
-              <a:rPr lang="de-DE" b="1" dirty="0" smtClean="0">
+              <a:rPr lang="de-DE" b="1" dirty="0">
                 <a:solidFill>
                   <a:srgbClr val="C00000"/>
                 </a:solidFill>
@@ -9251,13 +9033,6 @@
   <p:clrMapOvr>
     <a:masterClrMapping/>
   </p:clrMapOvr>
-  <p:timing>
-    <p:tnLst>
-      <p:par>
-        <p:cTn id="1" dur="indefinite" restart="never" nodeType="tmRoot"/>
-      </p:par>
-    </p:tnLst>
-  </p:timing>
 </p:sld>
 </file>
 
@@ -9294,14 +9069,13 @@
           <a:lstStyle/>
           <a:p>
             <a:r>
-              <a:rPr lang="de-DE" dirty="0" err="1" smtClean="0"/>
+              <a:rPr lang="de-DE" dirty="0" err="1"/>
               <a:t>ODXCreate</a:t>
             </a:r>
             <a:r>
-              <a:rPr lang="de-DE" dirty="0" smtClean="0"/>
+              <a:rPr lang="de-DE" dirty="0"/>
               <a:t> – Schärfung des QLAH</a:t>
             </a:r>
-            <a:endParaRPr lang="de-DE" dirty="0"/>
           </a:p>
         </p:txBody>
       </p:sp>
@@ -9333,22 +9107,14 @@
           <a:p>
             <a:r>
               <a:rPr lang="de-DE" sz="900" i="1" dirty="0"/>
-              <a:t>[A: </a:t>
-            </a:r>
-            <a:r>
-              <a:rPr lang="de-DE" sz="900" i="1" dirty="0" smtClean="0"/>
-              <a:t>FL_FDS_296]</a:t>
+              <a:t>[A: FL_FDS_296]</a:t>
             </a:r>
             <a:br>
-              <a:rPr lang="de-DE" sz="900" i="1" dirty="0" smtClean="0"/>
+              <a:rPr lang="de-DE" sz="900" i="1" dirty="0"/>
             </a:br>
             <a:r>
-              <a:rPr lang="de-DE" sz="900" dirty="0" smtClean="0"/>
-              <a:t>ECDSA </a:t>
-            </a:r>
-            <a:r>
               <a:rPr lang="de-DE" sz="900" dirty="0"/>
-              <a:t>entspricht dem ECC-basierten-Signaturverfahren ECDSA gemäß Dokument [20] mit Hash-funktion SHA-256.</a:t>
+              <a:t>ECDSA entspricht dem ECC-basierten-Signaturverfahren ECDSA gemäß Dokument [20] mit Hash-funktion SHA-256.</a:t>
             </a:r>
           </a:p>
           <a:p>
@@ -9358,59 +9124,35 @@
                   <a:srgbClr val="FF0000"/>
                 </a:solidFill>
               </a:rPr>
-              <a:t>[A: </a:t>
-            </a:r>
-            <a:r>
-              <a:rPr lang="de-DE" sz="900" i="1" strike="sngStrike" dirty="0" smtClean="0">
+              <a:t>[A: FL_FDS_304]</a:t>
+            </a:r>
+            <a:br>
+              <a:rPr lang="de-DE" sz="900" i="1" strike="sngStrike" dirty="0">
                 <a:solidFill>
                   <a:srgbClr val="FF0000"/>
                 </a:solidFill>
               </a:rPr>
-              <a:t>FL_FDS_304]</a:t>
+            </a:br>
+            <a:r>
+              <a:rPr lang="de-DE" sz="900" strike="sngStrike" dirty="0">
+                <a:solidFill>
+                  <a:srgbClr val="FF0000"/>
+                </a:solidFill>
+              </a:rPr>
+              <a:t>Folgende OID muss für dieses Signaturverfahren genutzt werden: 1.2.840.10045.4.3.2 (ecdsa-with-SHA256).</a:t>
+            </a:r>
+          </a:p>
+          <a:p>
+            <a:r>
+              <a:rPr lang="de-DE" sz="900" i="1" dirty="0"/>
+              <a:t>[A: FL_FDS_305]</a:t>
             </a:r>
             <a:br>
-              <a:rPr lang="de-DE" sz="900" i="1" strike="sngStrike" dirty="0" smtClean="0">
-                <a:solidFill>
-                  <a:srgbClr val="FF0000"/>
-                </a:solidFill>
-              </a:rPr>
+              <a:rPr lang="de-DE" sz="900" i="1" dirty="0"/>
             </a:br>
             <a:r>
-              <a:rPr lang="de-DE" sz="900" strike="sngStrike" dirty="0" smtClean="0">
-                <a:solidFill>
-                  <a:srgbClr val="FF0000"/>
-                </a:solidFill>
-              </a:rPr>
-              <a:t>Folgende </a:t>
-            </a:r>
-            <a:r>
-              <a:rPr lang="de-DE" sz="900" strike="sngStrike" dirty="0">
-                <a:solidFill>
-                  <a:srgbClr val="FF0000"/>
-                </a:solidFill>
-              </a:rPr>
-              <a:t>OID muss für dieses Signaturverfahren genutzt werden: 1.2.840.10045.4.3.2 (ecdsa-with-SHA256).</a:t>
-            </a:r>
-          </a:p>
-          <a:p>
-            <a:r>
-              <a:rPr lang="de-DE" sz="900" i="1" dirty="0"/>
-              <a:t>[A: </a:t>
-            </a:r>
-            <a:r>
-              <a:rPr lang="de-DE" sz="900" i="1" dirty="0" smtClean="0"/>
-              <a:t>FL_FDS_305]</a:t>
-            </a:r>
-            <a:br>
-              <a:rPr lang="de-DE" sz="900" i="1" dirty="0" smtClean="0"/>
-            </a:br>
-            <a:r>
-              <a:rPr lang="de-DE" sz="900" dirty="0" smtClean="0"/>
-              <a:t>Die </a:t>
-            </a:r>
-            <a:r>
               <a:rPr lang="de-DE" sz="900" dirty="0"/>
-              <a:t>zu verwendende elliptische Kurve ist auf NIST </a:t>
+              <a:t>Die zu verwendende elliptische Kurve ist auf NIST </a:t>
             </a:r>
             <a:r>
               <a:rPr lang="de-DE" sz="900" dirty="0" err="1"/>
@@ -9418,36 +9160,20 @@
             </a:r>
             <a:r>
               <a:rPr lang="de-DE" sz="900" dirty="0"/>
-              <a:t> P-256 mit Domain Parameter gemäß </a:t>
-            </a:r>
-            <a:r>
-              <a:rPr lang="de-DE" sz="900" dirty="0" smtClean="0"/>
-              <a:t>Dokument </a:t>
-            </a:r>
+              <a:t> P-256 mit Domain Parameter gemäß Dokument [21] im Appendix D.1.2.3 festgelegt.</a:t>
+            </a:r>
+          </a:p>
+          <a:p>
+            <a:r>
+              <a:rPr lang="de-DE" sz="900" i="1" dirty="0"/>
+              <a:t>[A: FL_FDS_306]</a:t>
+            </a:r>
+            <a:br>
+              <a:rPr lang="de-DE" sz="900" i="1" dirty="0"/>
+            </a:br>
             <a:r>
               <a:rPr lang="de-DE" sz="900" dirty="0"/>
-              <a:t>[21] im Appendix D.1.2.3 festgelegt.</a:t>
-            </a:r>
-          </a:p>
-          <a:p>
-            <a:r>
-              <a:rPr lang="de-DE" sz="900" i="1" dirty="0"/>
-              <a:t>[A: </a:t>
-            </a:r>
-            <a:r>
-              <a:rPr lang="de-DE" sz="900" i="1" dirty="0" smtClean="0"/>
-              <a:t>FL_FDS_306]</a:t>
-            </a:r>
-            <a:br>
-              <a:rPr lang="de-DE" sz="900" i="1" dirty="0" smtClean="0"/>
-            </a:br>
-            <a:r>
-              <a:rPr lang="de-DE" sz="900" dirty="0" smtClean="0"/>
-              <a:t>Die </a:t>
-            </a:r>
-            <a:r>
-              <a:rPr lang="de-DE" sz="900" dirty="0"/>
-              <a:t>korrekte </a:t>
+              <a:t>Die korrekte </a:t>
             </a:r>
             <a:r>
               <a:rPr lang="de-DE" sz="900" dirty="0" err="1"/>
@@ -9461,22 +9187,14 @@
           <a:p>
             <a:r>
               <a:rPr lang="de-DE" sz="900" i="1" dirty="0"/>
-              <a:t>[A: </a:t>
-            </a:r>
-            <a:r>
-              <a:rPr lang="de-DE" sz="900" i="1" dirty="0" smtClean="0"/>
-              <a:t>FL_FDS_307]</a:t>
+              <a:t>[A: FL_FDS_307]</a:t>
             </a:r>
             <a:br>
-              <a:rPr lang="de-DE" sz="900" i="1" dirty="0" smtClean="0"/>
+              <a:rPr lang="de-DE" sz="900" i="1" dirty="0"/>
             </a:br>
             <a:r>
-              <a:rPr lang="de-DE" sz="900" dirty="0" smtClean="0"/>
-              <a:t>Die Darstellung der </a:t>
-            </a:r>
-            <a:r>
               <a:rPr lang="de-DE" sz="900" dirty="0"/>
-              <a:t>ECDSA-Signatur (r, s) bestehend aus den positiven ganzen Zahlen r und s muss in </a:t>
+              <a:t>Die Darstellung der ECDSA-Signatur (r, s) bestehend aus den positiven ganzen Zahlen r und s muss in </a:t>
             </a:r>
             <a:r>
               <a:rPr lang="de-DE" sz="900" dirty="0" err="1"/>
@@ -9499,134 +9217,74 @@
             <a:r>
               <a:rPr lang="de-DE" sz="900" dirty="0"/>
               <a:t>[I: FL_FDS_308] </a:t>
-            </a:r>
-            <a:r>
-              <a:rPr lang="de-DE" sz="900" dirty="0" smtClean="0"/>
-              <a:t/>
-            </a:r>
-            <a:br>
-              <a:rPr lang="de-DE" sz="900" dirty="0" smtClean="0"/>
-            </a:br>
-            <a:r>
-              <a:rPr lang="de-DE" sz="900" dirty="0" smtClean="0"/>
-              <a:t>Beispiel </a:t>
-            </a:r>
-            <a:r>
-              <a:rPr lang="de-DE" sz="900" dirty="0"/>
-              <a:t>für die Darstellung der ECDSA-Signatur (r, s) in </a:t>
-            </a:r>
-            <a:r>
-              <a:rPr lang="de-DE" sz="900" dirty="0" err="1"/>
-              <a:t>Plain</a:t>
-            </a:r>
-            <a:r>
-              <a:rPr lang="de-DE" sz="900" dirty="0"/>
-              <a:t>-Format mit jeweils 32 Bytes langen positiven ganzen Zahlen: </a:t>
-            </a:r>
-            <a:r>
-              <a:rPr lang="de-DE" sz="900" dirty="0" smtClean="0"/>
-              <a:t/>
-            </a:r>
-            <a:br>
-              <a:rPr lang="de-DE" sz="900" dirty="0" smtClean="0"/>
-            </a:br>
-            <a:r>
-              <a:rPr lang="de-DE" sz="900" dirty="0" smtClean="0"/>
-              <a:t>r </a:t>
-            </a:r>
-            <a:r>
-              <a:rPr lang="de-DE" sz="900" dirty="0"/>
-              <a:t>= 0x'9E9634205C1404D35F28D86D803E3F7D5EFB8EA45B14C18260623955E07F2CE6' </a:t>
-            </a:r>
-            <a:r>
-              <a:rPr lang="de-DE" sz="900" dirty="0" smtClean="0"/>
-              <a:t/>
-            </a:r>
-            <a:br>
-              <a:rPr lang="de-DE" sz="900" dirty="0" smtClean="0"/>
-            </a:br>
-            <a:r>
-              <a:rPr lang="de-DE" sz="900" dirty="0" smtClean="0"/>
-              <a:t>s </a:t>
-            </a:r>
-            <a:r>
-              <a:rPr lang="de-DE" sz="900" dirty="0"/>
-              <a:t>= 0x'578A1BCEB45F1460E50B3382C0F680860308F85038AB7A9B9F14638620F34F62' </a:t>
-            </a:r>
-            <a:r>
-              <a:rPr lang="de-DE" sz="900" dirty="0" smtClean="0"/>
-              <a:t/>
-            </a:r>
-            <a:br>
-              <a:rPr lang="de-DE" sz="900" dirty="0" smtClean="0"/>
-            </a:br>
-            <a:r>
-              <a:rPr lang="de-DE" sz="900" dirty="0" err="1" smtClean="0"/>
-              <a:t>Plain</a:t>
-            </a:r>
-            <a:r>
-              <a:rPr lang="de-DE" sz="900" dirty="0" smtClean="0"/>
-              <a:t>-Format </a:t>
-            </a:r>
-            <a:r>
-              <a:rPr lang="de-DE" sz="900" dirty="0"/>
-              <a:t>Bytestring: 0x'9E96…2CE6 578A…4F62' </a:t>
-            </a:r>
-            <a:r>
-              <a:rPr lang="de-DE" sz="900" dirty="0" smtClean="0"/>
-              <a:t/>
-            </a:r>
-            <a:br>
-              <a:rPr lang="de-DE" sz="900" dirty="0" smtClean="0"/>
-            </a:br>
-            <a:r>
-              <a:rPr lang="de-DE" sz="900" dirty="0" smtClean="0"/>
-              <a:t>|_________| </a:t>
-            </a:r>
-            <a:r>
-              <a:rPr lang="de-DE" sz="900" dirty="0"/>
-              <a:t>|_________| </a:t>
-            </a:r>
-            <a:r>
-              <a:rPr lang="de-DE" sz="900" dirty="0" smtClean="0"/>
-              <a:t/>
-            </a:r>
-            <a:br>
-              <a:rPr lang="de-DE" sz="900" dirty="0" smtClean="0"/>
-            </a:br>
-            <a:r>
-              <a:rPr lang="pt-BR" sz="900" dirty="0" smtClean="0"/>
-              <a:t>32 </a:t>
-            </a:r>
-            <a:r>
-              <a:rPr lang="pt-BR" sz="900" dirty="0"/>
-              <a:t>Byte R 32 Byte S </a:t>
-            </a:r>
-            <a:r>
-              <a:rPr lang="pt-BR" sz="900" dirty="0" smtClean="0"/>
-              <a:t/>
-            </a:r>
-            <a:br>
-              <a:rPr lang="pt-BR" sz="900" dirty="0" smtClean="0"/>
-            </a:br>
-            <a:r>
-              <a:rPr lang="de-DE" sz="900" dirty="0" smtClean="0"/>
-              <a:t>|____________________| </a:t>
-            </a:r>
-            <a:r>
-              <a:rPr lang="de-DE" sz="900" dirty="0"/>
-              <a:t/>
             </a:r>
             <a:br>
               <a:rPr lang="de-DE" sz="900" dirty="0"/>
             </a:br>
             <a:r>
-              <a:rPr lang="de-DE" sz="900" dirty="0" smtClean="0"/>
-              <a:t>64 </a:t>
-            </a:r>
-            <a:r>
               <a:rPr lang="de-DE" sz="900" dirty="0"/>
-              <a:t>Byte R||S </a:t>
+              <a:t>Beispiel für die Darstellung der ECDSA-Signatur (r, s) in </a:t>
+            </a:r>
+            <a:r>
+              <a:rPr lang="de-DE" sz="900" dirty="0" err="1"/>
+              <a:t>Plain</a:t>
+            </a:r>
+            <a:r>
+              <a:rPr lang="de-DE" sz="900" dirty="0"/>
+              <a:t>-Format mit jeweils 32 Bytes langen positiven ganzen Zahlen: </a:t>
+            </a:r>
+            <a:br>
+              <a:rPr lang="de-DE" sz="900" dirty="0"/>
+            </a:br>
+            <a:r>
+              <a:rPr lang="de-DE" sz="900" dirty="0"/>
+              <a:t>r = 0x'9E9634205C1404D35F28D86D803E3F7D5EFB8EA45B14C18260623955E07F2CE6' </a:t>
+            </a:r>
+            <a:br>
+              <a:rPr lang="de-DE" sz="900" dirty="0"/>
+            </a:br>
+            <a:r>
+              <a:rPr lang="de-DE" sz="900" dirty="0"/>
+              <a:t>s = 0x'578A1BCEB45F1460E50B3382C0F680860308F85038AB7A9B9F14638620F34F62' </a:t>
+            </a:r>
+            <a:br>
+              <a:rPr lang="de-DE" sz="900" dirty="0"/>
+            </a:br>
+            <a:r>
+              <a:rPr lang="de-DE" sz="900" dirty="0" err="1"/>
+              <a:t>Plain</a:t>
+            </a:r>
+            <a:r>
+              <a:rPr lang="de-DE" sz="900" dirty="0"/>
+              <a:t>-Format Bytestring: 0x'9E96…2CE6 578A…4F62' </a:t>
+            </a:r>
+            <a:br>
+              <a:rPr lang="de-DE" sz="900" dirty="0"/>
+            </a:br>
+            <a:r>
+              <a:rPr lang="de-DE" sz="900" dirty="0"/>
+              <a:t>|_________| |_________| </a:t>
+            </a:r>
+            <a:br>
+              <a:rPr lang="de-DE" sz="900" dirty="0"/>
+            </a:br>
+            <a:r>
+              <a:rPr lang="pt-BR" sz="900" dirty="0"/>
+              <a:t>32 Byte R 32 Byte S </a:t>
+            </a:r>
+            <a:br>
+              <a:rPr lang="pt-BR" sz="900" dirty="0"/>
+            </a:br>
+            <a:r>
+              <a:rPr lang="de-DE" sz="900" dirty="0"/>
+              <a:t>|____________________| </a:t>
+            </a:r>
+            <a:br>
+              <a:rPr lang="de-DE" sz="900" dirty="0"/>
+            </a:br>
+            <a:r>
+              <a:rPr lang="de-DE" sz="900" dirty="0"/>
+              <a:t>64 Byte R||S </a:t>
             </a:r>
           </a:p>
           <a:p>
@@ -9638,108 +9296,88 @@
               </a:rPr>
               <a:t>[I: FL_FDS_309] </a:t>
             </a:r>
-            <a:r>
-              <a:rPr lang="de-DE" sz="900" dirty="0" smtClean="0">
+            <a:br>
+              <a:rPr lang="de-DE" sz="900" dirty="0">
                 <a:solidFill>
                   <a:srgbClr val="F2A100"/>
                 </a:solidFill>
               </a:rPr>
-              <a:t/>
-            </a:r>
-            <a:br>
-              <a:rPr lang="de-DE" sz="900" dirty="0" smtClean="0">
+            </a:br>
+            <a:r>
+              <a:rPr lang="de-DE" sz="900" dirty="0">
                 <a:solidFill>
                   <a:srgbClr val="F2A100"/>
                 </a:solidFill>
               </a:rPr>
-            </a:br>
-            <a:r>
-              <a:rPr lang="de-DE" sz="900" dirty="0" smtClean="0">
-                <a:solidFill>
-                  <a:srgbClr val="F2A100"/>
-                </a:solidFill>
-              </a:rPr>
-              <a:t>Der </a:t>
-            </a:r>
-            <a:r>
-              <a:rPr lang="de-DE" sz="900" dirty="0">
-                <a:solidFill>
-                  <a:srgbClr val="F2A100"/>
-                </a:solidFill>
-              </a:rPr>
-              <a:t>Bytestring aus dem obigen Beispiel wird im weiteren Verlauf des Dokuments exemplarisch für die ECDSA-Signatur benutzt</a:t>
-            </a:r>
-            <a:r>
-              <a:rPr lang="de-DE" sz="900" dirty="0" smtClean="0">
-                <a:solidFill>
-                  <a:srgbClr val="F2A100"/>
-                </a:solidFill>
-              </a:rPr>
-              <a:t>.</a:t>
-            </a:r>
-          </a:p>
-          <a:p>
-            <a:r>
-              <a:rPr lang="en-US" sz="1100" b="1" dirty="0" err="1" smtClean="0"/>
+              <a:t>Der Bytestring aus dem obigen Beispiel wird im weiteren Verlauf des Dokuments exemplarisch für die ECDSA-Signatur benutzt.</a:t>
+            </a:r>
+          </a:p>
+          <a:p>
+            <a:r>
+              <a:rPr lang="en-US" sz="1100" b="1" dirty="0" err="1"/>
               <a:t>Fehlende</a:t>
             </a:r>
             <a:r>
-              <a:rPr lang="en-US" sz="1100" b="1" dirty="0" smtClean="0"/>
+              <a:rPr lang="en-US" sz="1100" b="1" dirty="0"/>
               <a:t> </a:t>
             </a:r>
             <a:r>
-              <a:rPr lang="en-US" sz="1100" b="1" dirty="0" err="1" smtClean="0"/>
+              <a:rPr lang="en-US" sz="1100" b="1" dirty="0" err="1"/>
               <a:t>Anforderungen</a:t>
             </a:r>
             <a:r>
-              <a:rPr lang="en-US" sz="1100" b="1" dirty="0" smtClean="0"/>
+              <a:rPr lang="en-US" sz="1100" b="1" dirty="0"/>
               <a:t> </a:t>
             </a:r>
             <a:r>
-              <a:rPr lang="en-US" sz="1100" b="1" dirty="0" err="1" smtClean="0"/>
+              <a:rPr lang="en-US" sz="1100" b="1" dirty="0" err="1"/>
               <a:t>aus</a:t>
             </a:r>
             <a:r>
-              <a:rPr lang="en-US" sz="1100" b="1" dirty="0" smtClean="0"/>
+              <a:rPr lang="en-US" sz="1100" b="1" dirty="0"/>
               <a:t> </a:t>
             </a:r>
             <a:r>
-              <a:rPr lang="en-US" sz="1100" b="1" dirty="0" err="1" smtClean="0"/>
+              <a:rPr lang="en-US" sz="1100" b="1" dirty="0" err="1"/>
               <a:t>dem</a:t>
             </a:r>
             <a:r>
-              <a:rPr lang="en-US" sz="1100" b="1" dirty="0" smtClean="0"/>
+              <a:rPr lang="en-US" sz="1100" b="1" dirty="0"/>
               <a:t> </a:t>
             </a:r>
             <a:r>
-              <a:rPr lang="en-US" sz="1100" b="1" dirty="0" err="1" smtClean="0"/>
+              <a:rPr lang="en-US" sz="1100" b="1" dirty="0" err="1"/>
               <a:t>Dokument</a:t>
             </a:r>
             <a:r>
-              <a:rPr lang="en-US" sz="1100" b="1" dirty="0" smtClean="0"/>
+              <a:rPr lang="en-US" sz="1100" b="1" dirty="0"/>
               <a:t> </a:t>
             </a:r>
             <a:r>
               <a:rPr lang="en-US" sz="1100" b="1" u="sng" dirty="0"/>
-              <a:t>HIS </a:t>
-            </a:r>
-            <a:r>
-              <a:rPr lang="en-US" sz="1100" b="1" u="sng" dirty="0" smtClean="0"/>
-              <a:t>Security Module Specification</a:t>
-            </a:r>
-            <a:r>
-              <a:rPr lang="en-US" sz="1100" b="1" dirty="0" smtClean="0"/>
+              <a:t>HIS Security Module Specification</a:t>
+            </a:r>
+            <a:r>
+              <a:rPr lang="en-US" sz="1100" b="1" dirty="0"/>
               <a:t>:</a:t>
             </a:r>
           </a:p>
           <a:p>
             <a:r>
-              <a:rPr lang="en-US" sz="900" dirty="0" smtClean="0">
+              <a:rPr lang="en-US" sz="900" dirty="0">
                 <a:solidFill>
                   <a:srgbClr val="00B050"/>
                 </a:solidFill>
               </a:rPr>
-              <a:t>SecM115</a:t>
+              <a:t>SecM115: The effectively written parts of the </a:t>
+            </a:r>
+            <a:r>
+              <a:rPr lang="en-US" sz="900" dirty="0" err="1">
+                <a:solidFill>
+                  <a:srgbClr val="00B050"/>
+                </a:solidFill>
+              </a:rPr>
+              <a:t>flashware</a:t>
             </a:r>
             <a:r>
               <a:rPr lang="en-US" sz="900" dirty="0">
@@ -9747,34 +9385,18 @@
                   <a:srgbClr val="00B050"/>
                 </a:solidFill>
               </a:rPr>
-              <a:t>: The effectively written parts of the </a:t>
-            </a:r>
-            <a:r>
-              <a:rPr lang="en-US" sz="900" dirty="0" err="1">
-                <a:solidFill>
-                  <a:srgbClr val="00B050"/>
-                </a:solidFill>
-              </a:rPr>
-              <a:t>flashware</a:t>
+              <a:t>, the binary representation of the start address and the length of each segment have to be taken into account for the calculation of the </a:t>
+            </a:r>
+            <a:r>
+              <a:rPr lang="en-US" sz="900" b="1" u="sng" dirty="0">
+                <a:solidFill>
+                  <a:srgbClr val="C00000"/>
+                </a:solidFill>
+              </a:rPr>
+              <a:t>signature </a:t>
             </a:r>
             <a:r>
               <a:rPr lang="en-US" sz="900" dirty="0">
-                <a:solidFill>
-                  <a:srgbClr val="00B050"/>
-                </a:solidFill>
-              </a:rPr>
-              <a:t>, the binary representation of the start address and the length of each segment have to be taken into account for the calculation of the </a:t>
-            </a:r>
-            <a:r>
-              <a:rPr lang="en-US" sz="900" b="1" u="sng" dirty="0" smtClean="0">
-                <a:solidFill>
-                  <a:srgbClr val="C00000"/>
-                </a:solidFill>
-              </a:rPr>
-              <a:t>signature </a:t>
-            </a:r>
-            <a:r>
-              <a:rPr lang="en-US" sz="900" dirty="0" smtClean="0">
                 <a:solidFill>
                   <a:srgbClr val="00B050"/>
                 </a:solidFill>
@@ -10065,18 +9687,13 @@
               </a:rPr>
               <a:t> could be equal if the start address or the length is one byte long. In this case the padding is three bytes long. </a:t>
             </a:r>
-            <a:endParaRPr lang="en-US" sz="900" dirty="0" smtClean="0">
-              <a:solidFill>
-                <a:srgbClr val="00B050"/>
-              </a:solidFill>
-            </a:endParaRPr>
           </a:p>
           <a:p>
             <a:endParaRPr lang="en-US" sz="900" dirty="0"/>
           </a:p>
           <a:p>
             <a:r>
-              <a:rPr lang="en-US" sz="1000" b="1" dirty="0" err="1" smtClean="0">
+              <a:rPr lang="en-US" sz="1000" b="1" dirty="0" err="1">
                 <a:solidFill>
                   <a:srgbClr val="C00000"/>
                 </a:solidFill>
@@ -10084,7 +9701,7 @@
               <a:t>Hinweis</a:t>
             </a:r>
             <a:r>
-              <a:rPr lang="en-US" sz="1000" b="1" dirty="0" smtClean="0">
+              <a:rPr lang="en-US" sz="1000" b="1" dirty="0">
                 <a:solidFill>
                   <a:srgbClr val="C00000"/>
                 </a:solidFill>
@@ -10092,7 +9709,7 @@
               <a:t>: Information </a:t>
             </a:r>
             <a:r>
-              <a:rPr lang="en-US" sz="1000" b="1" dirty="0" err="1" smtClean="0">
+              <a:rPr lang="en-US" sz="1000" b="1" dirty="0" err="1">
                 <a:solidFill>
                   <a:srgbClr val="C00000"/>
                 </a:solidFill>
@@ -10100,7 +9717,7 @@
               <a:t>zu</a:t>
             </a:r>
             <a:r>
-              <a:rPr lang="en-US" sz="1000" b="1" dirty="0" smtClean="0">
+              <a:rPr lang="en-US" sz="1000" b="1" dirty="0">
                 <a:solidFill>
                   <a:srgbClr val="C00000"/>
                 </a:solidFill>
@@ -10108,7 +9725,7 @@
               <a:t> Padding </a:t>
             </a:r>
             <a:r>
-              <a:rPr lang="en-US" sz="1000" b="1" dirty="0" err="1" smtClean="0">
+              <a:rPr lang="en-US" sz="1000" b="1" dirty="0" err="1">
                 <a:solidFill>
                   <a:srgbClr val="C00000"/>
                 </a:solidFill>
@@ -10116,7 +9733,7 @@
               <a:t>fehlt</a:t>
             </a:r>
             <a:r>
-              <a:rPr lang="en-US" sz="1000" b="1" dirty="0" smtClean="0">
+              <a:rPr lang="en-US" sz="1000" b="1" dirty="0">
                 <a:solidFill>
                   <a:srgbClr val="C00000"/>
                 </a:solidFill>
@@ -10124,7 +9741,7 @@
               <a:t> </a:t>
             </a:r>
             <a:r>
-              <a:rPr lang="en-US" sz="1000" b="1" dirty="0" err="1" smtClean="0">
+              <a:rPr lang="en-US" sz="1000" b="1" dirty="0" err="1">
                 <a:solidFill>
                   <a:srgbClr val="C00000"/>
                 </a:solidFill>
@@ -10132,7 +9749,7 @@
               <a:t>auch</a:t>
             </a:r>
             <a:r>
-              <a:rPr lang="en-US" sz="1000" b="1" dirty="0" smtClean="0">
+              <a:rPr lang="en-US" sz="1000" b="1" dirty="0">
                 <a:solidFill>
                   <a:srgbClr val="C00000"/>
                 </a:solidFill>
@@ -10140,7 +9757,7 @@
               <a:t> in der </a:t>
             </a:r>
             <a:r>
-              <a:rPr lang="en-US" sz="1000" b="1" dirty="0" err="1" smtClean="0">
+              <a:rPr lang="en-US" sz="1000" b="1" dirty="0" err="1">
                 <a:solidFill>
                   <a:srgbClr val="C00000"/>
                 </a:solidFill>
@@ -10148,12 +9765,20 @@
               <a:t>Spezifikation</a:t>
             </a:r>
             <a:r>
-              <a:rPr lang="en-US" sz="1000" b="1" dirty="0" smtClean="0">
+              <a:rPr lang="en-US" sz="1000" b="1" dirty="0">
                 <a:solidFill>
                   <a:srgbClr val="C00000"/>
                 </a:solidFill>
               </a:rPr>
-              <a:t> von RSA3072!</a:t>
+              <a:t> von </a:t>
+            </a:r>
+            <a:r>
+              <a:rPr lang="en-US" sz="1000" b="1">
+                <a:solidFill>
+                  <a:srgbClr val="C00000"/>
+                </a:solidFill>
+              </a:rPr>
+              <a:t>RSA3072!!!</a:t>
             </a:r>
             <a:endParaRPr lang="en-US" sz="1000" b="1" dirty="0">
               <a:solidFill>
@@ -10163,18 +9788,13 @@
           </a:p>
           <a:p>
             <a:r>
-              <a:rPr lang="de-DE" sz="900" dirty="0" smtClean="0">
+              <a:rPr lang="de-DE" sz="900" dirty="0">
                 <a:solidFill>
                   <a:srgbClr val="F2A100"/>
                 </a:solidFill>
               </a:rPr>
               <a:t> </a:t>
             </a:r>
-            <a:endParaRPr lang="de-DE" sz="900" dirty="0">
-              <a:solidFill>
-                <a:srgbClr val="F2A100"/>
-              </a:solidFill>
-            </a:endParaRPr>
           </a:p>
         </p:txBody>
       </p:sp>
@@ -10188,13 +9808,6 @@
   <p:clrMapOvr>
     <a:masterClrMapping/>
   </p:clrMapOvr>
-  <p:timing>
-    <p:tnLst>
-      <p:par>
-        <p:cTn id="1" dur="indefinite" restart="never" nodeType="tmRoot"/>
-      </p:par>
-    </p:tnLst>
-  </p:timing>
 </p:sld>
 </file>
 
@@ -10970,6 +10583,12 @@
 </file>
 
 <file path=customXml/item1.xml><?xml version="1.0" encoding="utf-8"?>
+<p:properties xmlns:p="http://schemas.microsoft.com/office/2006/metadata/properties" xmlns:xsi="http://www.w3.org/2001/XMLSchema-instance" xmlns:pc="http://schemas.microsoft.com/office/infopath/2007/PartnerControls">
+  <documentManagement/>
+</p:properties>
+</file>
+
+<file path=customXml/item2.xml><?xml version="1.0" encoding="utf-8"?>
 <?mso-contentType ?>
 <FormTemplates xmlns="http://schemas.microsoft.com/sharepoint/v3/contenttype/forms">
   <Display>DocumentLibraryForm</Display>
@@ -10978,30 +10597,7 @@
 </FormTemplates>
 </file>
 
-<file path=customXml/item2.xml><?xml version="1.0" encoding="utf-8"?>
-<p:properties xmlns:p="http://schemas.microsoft.com/office/2006/metadata/properties" xmlns:xsi="http://www.w3.org/2001/XMLSchema-instance" xmlns:pc="http://schemas.microsoft.com/office/infopath/2007/PartnerControls">
-  <documentManagement/>
-</p:properties>
-</file>
-
 <file path=customXml/item3.xml><?xml version="1.0" encoding="utf-8"?>
-<PorscheTools xmlns:xsi="http://www.w3.org/2001/XMLSchema-instance" xmlns:xsd="http://www.w3.org/2001/XMLSchema" xmlns="urn:strategyCompass:quickSlide:porsche:porschetoolssettings">
-  <Author>Dr. Henning Zörlein</Author>
-  <Department>EEY5</Department>
-  <PageNumbers>true</PageNumbers>
-  <UseCreationDate>true</UseCreationDate>
-  <UseModifiedDate>false</UseModifiedDate>
-  <CreationDate>637519921594796121</CreationDate>
-  <ModifiedDate>637519921594796121</ModifiedDate>
-  <Confidentiality>intern</Confidentiality>
-  <DateFormat>dd.MM.yyyy</DateFormat>
-  <UseDocumentname>false</UseDocumentname>
-  <PresentationLanguageID>1031</PresentationLanguageID>
-  <MasterLanguageID>1031</MasterLanguageID>
-</PorscheTools>
-</file>
-
-<file path=customXml/item4.xml><?xml version="1.0" encoding="utf-8"?>
 <ct:contentTypeSchema xmlns:ct="http://schemas.microsoft.com/office/2006/metadata/contentType" xmlns:ma="http://schemas.microsoft.com/office/2006/metadata/properties/metaAttributes" ct:_="" ma:_="" ma:contentTypeName="Document" ma:contentTypeID="0x0101005D3840C5B3305F4799A7E47ACA3126EB" ma:contentTypeVersion="7" ma:contentTypeDescription="Create a new document." ma:contentTypeScope="" ma:versionID="94d7d2fc388894cab0cd8838bf9d9eea">
   <xsd:schema xmlns:xsd="http://www.w3.org/2001/XMLSchema" xmlns:xs="http://www.w3.org/2001/XMLSchema" xmlns:p="http://schemas.microsoft.com/office/2006/metadata/properties" xmlns:ns3="14d6a9f2-ac0a-431b-b07b-ed84b2954037" targetNamespace="http://schemas.microsoft.com/office/2006/metadata/properties" ma:root="true" ma:fieldsID="04291625df2811cdf4d1666235e6e241" ns3:_="">
     <xsd:import namespace="14d6a9f2-ac0a-431b-b07b-ed84b2954037"/>
@@ -11165,15 +10761,24 @@
 </ct:contentTypeSchema>
 </file>
 
-<file path=customXml/itemProps1.xml><?xml version="1.0" encoding="utf-8"?>
-<ds:datastoreItem xmlns:ds="http://schemas.openxmlformats.org/officeDocument/2006/customXml" ds:itemID="{8B3D578C-B437-4BE7-9C81-5F3EBC28A365}">
-  <ds:schemaRefs>
-    <ds:schemaRef ds:uri="http://schemas.microsoft.com/sharepoint/v3/contenttype/forms"/>
-  </ds:schemaRefs>
-</ds:datastoreItem>
+<file path=customXml/item4.xml><?xml version="1.0" encoding="utf-8"?>
+<PorscheTools xmlns:xsi="http://www.w3.org/2001/XMLSchema-instance" xmlns:xsd="http://www.w3.org/2001/XMLSchema" xmlns="urn:strategyCompass:quickSlide:porsche:porschetoolssettings">
+  <Author>Dr. Henning Zörlein</Author>
+  <Department>EEY5</Department>
+  <PageNumbers>true</PageNumbers>
+  <UseCreationDate>true</UseCreationDate>
+  <UseModifiedDate>false</UseModifiedDate>
+  <CreationDate>637519921594796121</CreationDate>
+  <ModifiedDate>637519921594796121</ModifiedDate>
+  <Confidentiality>intern</Confidentiality>
+  <DateFormat>dd.MM.yyyy</DateFormat>
+  <UseDocumentname>false</UseDocumentname>
+  <PresentationLanguageID>1031</PresentationLanguageID>
+  <MasterLanguageID>1031</MasterLanguageID>
+</PorscheTools>
 </file>
 
-<file path=customXml/itemProps2.xml><?xml version="1.0" encoding="utf-8"?>
+<file path=customXml/itemProps1.xml><?xml version="1.0" encoding="utf-8"?>
 <ds:datastoreItem xmlns:ds="http://schemas.openxmlformats.org/officeDocument/2006/customXml" ds:itemID="{E624BDB1-9AEA-4E49-8E29-5609F1F6B261}">
   <ds:schemaRefs>
     <ds:schemaRef ds:uri="http://purl.org/dc/terms/"/>
@@ -11189,16 +10794,15 @@
 </ds:datastoreItem>
 </file>
 
-<file path=customXml/itemProps3.xml><?xml version="1.0" encoding="utf-8"?>
-<ds:datastoreItem xmlns:ds="http://schemas.openxmlformats.org/officeDocument/2006/customXml" ds:itemID="{3F656D70-0EE0-4C68-BC8F-47D94FC1D0C9}">
+<file path=customXml/itemProps2.xml><?xml version="1.0" encoding="utf-8"?>
+<ds:datastoreItem xmlns:ds="http://schemas.openxmlformats.org/officeDocument/2006/customXml" ds:itemID="{8B3D578C-B437-4BE7-9C81-5F3EBC28A365}">
   <ds:schemaRefs>
-    <ds:schemaRef ds:uri="http://www.w3.org/2001/XMLSchema"/>
-    <ds:schemaRef ds:uri="urn:strategyCompass:quickSlide:porsche:porschetoolssettings"/>
+    <ds:schemaRef ds:uri="http://schemas.microsoft.com/sharepoint/v3/contenttype/forms"/>
   </ds:schemaRefs>
 </ds:datastoreItem>
 </file>
 
-<file path=customXml/itemProps4.xml><?xml version="1.0" encoding="utf-8"?>
+<file path=customXml/itemProps3.xml><?xml version="1.0" encoding="utf-8"?>
 <ds:datastoreItem xmlns:ds="http://schemas.openxmlformats.org/officeDocument/2006/customXml" ds:itemID="{C0EF2434-CA35-4B62-80A5-3538EA6B2591}">
   <ds:schemaRefs>
     <ds:schemaRef ds:uri="http://schemas.microsoft.com/office/2006/metadata/contentType"/>
@@ -11214,4 +10818,13 @@
     <ds:schemaRef ds:uri="http://schemas.microsoft.com/internal/obd"/>
   </ds:schemaRefs>
 </ds:datastoreItem>
+</file>
+
+<file path=customXml/itemProps4.xml><?xml version="1.0" encoding="utf-8"?>
+<ds:datastoreItem xmlns:ds="http://schemas.openxmlformats.org/officeDocument/2006/customXml" ds:itemID="{3F656D70-0EE0-4C68-BC8F-47D94FC1D0C9}">
+  <ds:schemaRefs>
+    <ds:schemaRef ds:uri="http://www.w3.org/2001/XMLSchema"/>
+    <ds:schemaRef ds:uri="urn:strategyCompass:quickSlide:porsche:porschetoolssettings"/>
+  </ds:schemaRefs>
+</ds:datastoreItem>
 </file>